--- a/生命在於你.pptx
+++ b/生命在於你.pptx
@@ -5,12 +5,14 @@
     <p:sldMasterId id="2147483672" r:id="rId1"/>
   </p:sldMasterIdLst>
   <p:sldIdLst>
-    <p:sldId id="256" r:id="rId2"/>
-    <p:sldId id="257" r:id="rId3"/>
-    <p:sldId id="258" r:id="rId4"/>
-    <p:sldId id="259" r:id="rId5"/>
+    <p:sldId id="260" r:id="rId2"/>
+    <p:sldId id="261" r:id="rId3"/>
+    <p:sldId id="262" r:id="rId4"/>
+    <p:sldId id="263" r:id="rId5"/>
+    <p:sldId id="264" r:id="rId6"/>
+    <p:sldId id="265" r:id="rId7"/>
   </p:sldIdLst>
-  <p:sldSz cx="9144000" cy="6858000" type="screen4x3"/>
+  <p:sldSz cx="12192000" cy="6858000"/>
   <p:notesSz cx="6858000" cy="9144000"/>
   <p:defaultTextStyle>
     <a:defPPr>
@@ -107,6 +109,22 @@
       </a:defRPr>
     </a:lvl9pPr>
   </p:defaultTextStyle>
+  <p:extLst>
+    <p:ext uri="{EFAFB233-063F-42B5-8137-9DF3F51BA10A}">
+      <p15:sldGuideLst xmlns:p15="http://schemas.microsoft.com/office/powerpoint/2012/main">
+        <p15:guide id="1" orient="horz" pos="2160" userDrawn="1">
+          <p15:clr>
+            <a:srgbClr val="A4A3A4"/>
+          </p15:clr>
+        </p15:guide>
+        <p15:guide id="2" pos="3840" userDrawn="1">
+          <p15:clr>
+            <a:srgbClr val="A4A3A4"/>
+          </p15:clr>
+        </p15:guide>
+      </p15:sldGuideLst>
+    </p:ext>
+  </p:extLst>
 </p:presentation>
 </file>
 
@@ -139,8 +157,8 @@
         </p:nvSpPr>
         <p:spPr>
           <a:xfrm>
-            <a:off x="685800" y="2130425"/>
-            <a:ext cx="7772400" cy="1470025"/>
+            <a:off x="914400" y="2130426"/>
+            <a:ext cx="10363200" cy="1470025"/>
           </a:xfrm>
         </p:spPr>
         <p:txBody>
@@ -167,8 +185,8 @@
         </p:nvSpPr>
         <p:spPr>
           <a:xfrm>
-            <a:off x="1371600" y="3886200"/>
-            <a:ext cx="6400800" cy="1752600"/>
+            <a:off x="1828800" y="3886200"/>
+            <a:ext cx="8534400" cy="1752600"/>
           </a:xfrm>
         </p:spPr>
         <p:txBody>
@@ -292,7 +310,7 @@
             <a:fld id="{3B6F1495-393D-4C5F-8CA3-E392AC1A89A7}" type="datetimeFigureOut">
               <a:rPr lang="en-US" smtClean="0"/>
               <a:pPr/>
-              <a:t>6/23/2018</a:t>
+              <a:t>2/18/2023</a:t>
             </a:fld>
             <a:endParaRPr lang="en-US"/>
           </a:p>
@@ -459,7 +477,7 @@
             <a:fld id="{3B6F1495-393D-4C5F-8CA3-E392AC1A89A7}" type="datetimeFigureOut">
               <a:rPr lang="en-US" smtClean="0"/>
               <a:pPr/>
-              <a:t>6/23/2018</a:t>
+              <a:t>2/18/2023</a:t>
             </a:fld>
             <a:endParaRPr lang="en-US"/>
           </a:p>
@@ -545,8 +563,8 @@
         </p:nvSpPr>
         <p:spPr>
           <a:xfrm>
-            <a:off x="6629400" y="274638"/>
-            <a:ext cx="2057400" cy="5851525"/>
+            <a:off x="8839200" y="274639"/>
+            <a:ext cx="2743200" cy="5851525"/>
           </a:xfrm>
         </p:spPr>
         <p:txBody>
@@ -573,8 +591,8 @@
         </p:nvSpPr>
         <p:spPr>
           <a:xfrm>
-            <a:off x="457200" y="274638"/>
-            <a:ext cx="6019800" cy="5851525"/>
+            <a:off x="609600" y="274639"/>
+            <a:ext cx="8026400" cy="5851525"/>
           </a:xfrm>
         </p:spPr>
         <p:txBody>
@@ -636,7 +654,7 @@
             <a:fld id="{3B6F1495-393D-4C5F-8CA3-E392AC1A89A7}" type="datetimeFigureOut">
               <a:rPr lang="en-US" smtClean="0"/>
               <a:pPr/>
-              <a:t>6/23/2018</a:t>
+              <a:t>2/18/2023</a:t>
             </a:fld>
             <a:endParaRPr lang="en-US"/>
           </a:p>
@@ -803,7 +821,7 @@
             <a:fld id="{3B6F1495-393D-4C5F-8CA3-E392AC1A89A7}" type="datetimeFigureOut">
               <a:rPr lang="en-US" smtClean="0"/>
               <a:pPr/>
-              <a:t>6/23/2018</a:t>
+              <a:t>2/18/2023</a:t>
             </a:fld>
             <a:endParaRPr lang="en-US"/>
           </a:p>
@@ -889,8 +907,8 @@
         </p:nvSpPr>
         <p:spPr>
           <a:xfrm>
-            <a:off x="722313" y="4406900"/>
-            <a:ext cx="7772400" cy="1362075"/>
+            <a:off x="963084" y="4406901"/>
+            <a:ext cx="10363200" cy="1362075"/>
           </a:xfrm>
         </p:spPr>
         <p:txBody>
@@ -921,8 +939,8 @@
         </p:nvSpPr>
         <p:spPr>
           <a:xfrm>
-            <a:off x="722313" y="2906713"/>
-            <a:ext cx="7772400" cy="1500187"/>
+            <a:off x="963084" y="2906713"/>
+            <a:ext cx="10363200" cy="1500187"/>
           </a:xfrm>
         </p:spPr>
         <p:txBody>
@@ -1046,7 +1064,7 @@
             <a:fld id="{3B6F1495-393D-4C5F-8CA3-E392AC1A89A7}" type="datetimeFigureOut">
               <a:rPr lang="en-US" smtClean="0"/>
               <a:pPr/>
-              <a:t>6/23/2018</a:t>
+              <a:t>2/18/2023</a:t>
             </a:fld>
             <a:endParaRPr lang="en-US"/>
           </a:p>
@@ -1155,8 +1173,8 @@
         </p:nvSpPr>
         <p:spPr>
           <a:xfrm>
-            <a:off x="457200" y="1600200"/>
-            <a:ext cx="4038600" cy="4525963"/>
+            <a:off x="609600" y="1600201"/>
+            <a:ext cx="5384800" cy="4525963"/>
           </a:xfrm>
         </p:spPr>
         <p:txBody>
@@ -1240,8 +1258,8 @@
         </p:nvSpPr>
         <p:spPr>
           <a:xfrm>
-            <a:off x="4648200" y="1600200"/>
-            <a:ext cx="4038600" cy="4525963"/>
+            <a:off x="6197600" y="1600201"/>
+            <a:ext cx="5384800" cy="4525963"/>
           </a:xfrm>
         </p:spPr>
         <p:txBody>
@@ -1331,7 +1349,7 @@
             <a:fld id="{3B6F1495-393D-4C5F-8CA3-E392AC1A89A7}" type="datetimeFigureOut">
               <a:rPr lang="en-US" smtClean="0"/>
               <a:pPr/>
-              <a:t>6/23/2018</a:t>
+              <a:t>2/18/2023</a:t>
             </a:fld>
             <a:endParaRPr lang="en-US"/>
           </a:p>
@@ -1444,8 +1462,8 @@
         </p:nvSpPr>
         <p:spPr>
           <a:xfrm>
-            <a:off x="457200" y="1535113"/>
-            <a:ext cx="4040188" cy="639762"/>
+            <a:off x="609600" y="1535113"/>
+            <a:ext cx="5386917" cy="639762"/>
           </a:xfrm>
         </p:spPr>
         <p:txBody>
@@ -1509,8 +1527,8 @@
         </p:nvSpPr>
         <p:spPr>
           <a:xfrm>
-            <a:off x="457200" y="2174875"/>
-            <a:ext cx="4040188" cy="3951288"/>
+            <a:off x="609600" y="2174875"/>
+            <a:ext cx="5386917" cy="3951288"/>
           </a:xfrm>
         </p:spPr>
         <p:txBody>
@@ -1594,8 +1612,8 @@
         </p:nvSpPr>
         <p:spPr>
           <a:xfrm>
-            <a:off x="4645025" y="1535113"/>
-            <a:ext cx="4041775" cy="639762"/>
+            <a:off x="6193368" y="1535113"/>
+            <a:ext cx="5389033" cy="639762"/>
           </a:xfrm>
         </p:spPr>
         <p:txBody>
@@ -1659,8 +1677,8 @@
         </p:nvSpPr>
         <p:spPr>
           <a:xfrm>
-            <a:off x="4645025" y="2174875"/>
-            <a:ext cx="4041775" cy="3951288"/>
+            <a:off x="6193368" y="2174875"/>
+            <a:ext cx="5389033" cy="3951288"/>
           </a:xfrm>
         </p:spPr>
         <p:txBody>
@@ -1750,7 +1768,7 @@
             <a:fld id="{3B6F1495-393D-4C5F-8CA3-E392AC1A89A7}" type="datetimeFigureOut">
               <a:rPr lang="en-US" smtClean="0"/>
               <a:pPr/>
-              <a:t>6/23/2018</a:t>
+              <a:t>2/18/2023</a:t>
             </a:fld>
             <a:endParaRPr lang="en-US"/>
           </a:p>
@@ -1865,7 +1883,7 @@
             <a:fld id="{3B6F1495-393D-4C5F-8CA3-E392AC1A89A7}" type="datetimeFigureOut">
               <a:rPr lang="en-US" smtClean="0"/>
               <a:pPr/>
-              <a:t>6/23/2018</a:t>
+              <a:t>2/18/2023</a:t>
             </a:fld>
             <a:endParaRPr lang="en-US"/>
           </a:p>
@@ -1957,7 +1975,7 @@
             <a:fld id="{3B6F1495-393D-4C5F-8CA3-E392AC1A89A7}" type="datetimeFigureOut">
               <a:rPr lang="en-US" smtClean="0"/>
               <a:pPr/>
-              <a:t>6/23/2018</a:t>
+              <a:t>2/18/2023</a:t>
             </a:fld>
             <a:endParaRPr lang="en-US"/>
           </a:p>
@@ -2043,8 +2061,8 @@
         </p:nvSpPr>
         <p:spPr>
           <a:xfrm>
-            <a:off x="457200" y="273050"/>
-            <a:ext cx="3008313" cy="1162050"/>
+            <a:off x="609601" y="273050"/>
+            <a:ext cx="4011084" cy="1162050"/>
           </a:xfrm>
         </p:spPr>
         <p:txBody>
@@ -2075,8 +2093,8 @@
         </p:nvSpPr>
         <p:spPr>
           <a:xfrm>
-            <a:off x="3575050" y="273050"/>
-            <a:ext cx="5111750" cy="5853113"/>
+            <a:off x="4766733" y="273051"/>
+            <a:ext cx="6815667" cy="5853113"/>
           </a:xfrm>
         </p:spPr>
         <p:txBody>
@@ -2160,8 +2178,8 @@
         </p:nvSpPr>
         <p:spPr>
           <a:xfrm>
-            <a:off x="457200" y="1435100"/>
-            <a:ext cx="3008313" cy="4691063"/>
+            <a:off x="609601" y="1435101"/>
+            <a:ext cx="4011084" cy="4691063"/>
           </a:xfrm>
         </p:spPr>
         <p:txBody>
@@ -2231,7 +2249,7 @@
             <a:fld id="{3B6F1495-393D-4C5F-8CA3-E392AC1A89A7}" type="datetimeFigureOut">
               <a:rPr lang="en-US" smtClean="0"/>
               <a:pPr/>
-              <a:t>6/23/2018</a:t>
+              <a:t>2/18/2023</a:t>
             </a:fld>
             <a:endParaRPr lang="en-US"/>
           </a:p>
@@ -2317,8 +2335,8 @@
         </p:nvSpPr>
         <p:spPr>
           <a:xfrm>
-            <a:off x="1792288" y="4800600"/>
-            <a:ext cx="5486400" cy="566738"/>
+            <a:off x="2389717" y="4800600"/>
+            <a:ext cx="7315200" cy="566738"/>
           </a:xfrm>
         </p:spPr>
         <p:txBody>
@@ -2349,8 +2367,8 @@
         </p:nvSpPr>
         <p:spPr>
           <a:xfrm>
-            <a:off x="1792288" y="612775"/>
-            <a:ext cx="5486400" cy="4114800"/>
+            <a:off x="2389717" y="612775"/>
+            <a:ext cx="7315200" cy="4114800"/>
           </a:xfrm>
         </p:spPr>
         <p:txBody>
@@ -2414,8 +2432,8 @@
         </p:nvSpPr>
         <p:spPr>
           <a:xfrm>
-            <a:off x="1792288" y="5367338"/>
-            <a:ext cx="5486400" cy="804862"/>
+            <a:off x="2389717" y="5367338"/>
+            <a:ext cx="7315200" cy="804862"/>
           </a:xfrm>
         </p:spPr>
         <p:txBody>
@@ -2485,7 +2503,7 @@
             <a:fld id="{3B6F1495-393D-4C5F-8CA3-E392AC1A89A7}" type="datetimeFigureOut">
               <a:rPr lang="en-US" smtClean="0"/>
               <a:pPr/>
-              <a:t>6/23/2018</a:t>
+              <a:t>2/18/2023</a:t>
             </a:fld>
             <a:endParaRPr lang="en-US"/>
           </a:p>
@@ -2581,8 +2599,8 @@
         </p:nvSpPr>
         <p:spPr>
           <a:xfrm>
-            <a:off x="457200" y="274638"/>
-            <a:ext cx="8229600" cy="1143000"/>
+            <a:off x="609600" y="274638"/>
+            <a:ext cx="10972800" cy="1143000"/>
           </a:xfrm>
           <a:prstGeom prst="rect">
             <a:avLst/>
@@ -2614,8 +2632,8 @@
         </p:nvSpPr>
         <p:spPr>
           <a:xfrm>
-            <a:off x="457200" y="1600200"/>
-            <a:ext cx="8229600" cy="4525963"/>
+            <a:off x="609600" y="1600201"/>
+            <a:ext cx="10972800" cy="4525963"/>
           </a:xfrm>
           <a:prstGeom prst="rect">
             <a:avLst/>
@@ -2676,8 +2694,8 @@
         </p:nvSpPr>
         <p:spPr>
           <a:xfrm>
-            <a:off x="457200" y="6356350"/>
-            <a:ext cx="2133600" cy="365125"/>
+            <a:off x="609600" y="6356351"/>
+            <a:ext cx="2844800" cy="365125"/>
           </a:xfrm>
           <a:prstGeom prst="rect">
             <a:avLst/>
@@ -2700,7 +2718,7 @@
             <a:fld id="{3B6F1495-393D-4C5F-8CA3-E392AC1A89A7}" type="datetimeFigureOut">
               <a:rPr lang="en-US" smtClean="0"/>
               <a:pPr/>
-              <a:t>6/23/2018</a:t>
+              <a:t>2/18/2023</a:t>
             </a:fld>
             <a:endParaRPr lang="en-US"/>
           </a:p>
@@ -2718,8 +2736,8 @@
         </p:nvSpPr>
         <p:spPr>
           <a:xfrm>
-            <a:off x="3124200" y="6356350"/>
-            <a:ext cx="2895600" cy="365125"/>
+            <a:off x="4165600" y="6356351"/>
+            <a:ext cx="3860800" cy="365125"/>
           </a:xfrm>
           <a:prstGeom prst="rect">
             <a:avLst/>
@@ -2755,8 +2773,8 @@
         </p:nvSpPr>
         <p:spPr>
           <a:xfrm>
-            <a:off x="6553200" y="6356350"/>
-            <a:ext cx="2133600" cy="365125"/>
+            <a:off x="8737600" y="6356351"/>
+            <a:ext cx="2844800" cy="365125"/>
           </a:xfrm>
           <a:prstGeom prst="rect">
             <a:avLst/>
@@ -3073,7 +3091,7 @@
       </p:grpSpPr>
       <p:sp>
         <p:nvSpPr>
-          <p:cNvPr id="4" name="Title 3"/>
+          <p:cNvPr id="4" name="標題 3"/>
           <p:cNvSpPr>
             <a:spLocks noGrp="1"/>
           </p:cNvSpPr>
@@ -3081,158 +3099,109 @@
             <p:ph type="title"/>
           </p:nvPr>
         </p:nvSpPr>
-        <p:spPr/>
-        <p:txBody>
-          <a:bodyPr/>
-          <a:lstStyle/>
-          <a:p>
-            <a:r>
-              <a:rPr lang="zh-TW" altLang="en-US" b="1" dirty="0">
-                <a:solidFill>
-                  <a:srgbClr val="660033"/>
-                </a:solidFill>
+        <p:spPr>
+          <a:xfrm>
+            <a:off x="0" y="2660915"/>
+            <a:ext cx="12192000" cy="1143000"/>
+          </a:xfrm>
+        </p:spPr>
+        <p:txBody>
+          <a:bodyPr>
+            <a:noAutofit/>
+          </a:bodyPr>
+          <a:lstStyle/>
+          <a:p>
+            <a:r>
+              <a:rPr lang="zh-TW" altLang="en-US" sz="7200" b="1" i="1" dirty="0">
+                <a:solidFill>
+                  <a:srgbClr val="660033"/>
+                </a:solidFill>
+                <a:effectLst>
+                  <a:outerShdw blurRad="38100" dist="38100" dir="2700000" algn="tl">
+                    <a:srgbClr val="000000">
+                      <a:alpha val="43137"/>
+                    </a:srgbClr>
+                  </a:outerShdw>
+                </a:effectLst>
                 <a:latin typeface="微軟正黑體" pitchFamily="34" charset="-120"/>
                 <a:ea typeface="微軟正黑體" pitchFamily="34" charset="-120"/>
               </a:rPr>
-              <a:t>生命在於你</a:t>
-            </a:r>
-            <a:endParaRPr lang="en-US" b="1" dirty="0">
+              <a:t>生</a:t>
+            </a:r>
+            <a:r>
+              <a:rPr lang="zh-TW" altLang="en-US" sz="7200" b="1" i="1" dirty="0">
+                <a:solidFill>
+                  <a:srgbClr val="660033"/>
+                </a:solidFill>
+                <a:effectLst>
+                  <a:outerShdw blurRad="38100" dist="38100" dir="2700000" algn="tl">
+                    <a:srgbClr val="000000">
+                      <a:alpha val="43137"/>
+                    </a:srgbClr>
+                  </a:outerShdw>
+                </a:effectLst>
+                <a:latin typeface="微軟正黑體" pitchFamily="34" charset="-120"/>
+                <a:ea typeface="微軟正黑體" pitchFamily="34" charset="-120"/>
+              </a:rPr>
+              <a:t>命在</a:t>
+            </a:r>
+            <a:r>
+              <a:rPr lang="zh-TW" altLang="en-US" sz="7200" b="1" i="1" dirty="0">
+                <a:solidFill>
+                  <a:srgbClr val="660033"/>
+                </a:solidFill>
+                <a:effectLst>
+                  <a:outerShdw blurRad="38100" dist="38100" dir="2700000" algn="tl">
+                    <a:srgbClr val="000000">
+                      <a:alpha val="43137"/>
+                    </a:srgbClr>
+                  </a:outerShdw>
+                </a:effectLst>
+                <a:latin typeface="微軟正黑體" pitchFamily="34" charset="-120"/>
+                <a:ea typeface="微軟正黑體" pitchFamily="34" charset="-120"/>
+              </a:rPr>
+              <a:t>於</a:t>
+            </a:r>
+            <a:r>
+              <a:rPr lang="zh-CN" altLang="en-US" sz="7200" b="1" i="1" dirty="0">
+                <a:solidFill>
+                  <a:srgbClr val="660033"/>
+                </a:solidFill>
+                <a:effectLst>
+                  <a:outerShdw blurRad="38100" dist="38100" dir="2700000" algn="tl">
+                    <a:srgbClr val="000000">
+                      <a:alpha val="43137"/>
+                    </a:srgbClr>
+                  </a:outerShdw>
+                </a:effectLst>
+                <a:latin typeface="微軟正黑體" pitchFamily="34" charset="-120"/>
+                <a:ea typeface="微軟正黑體" pitchFamily="34" charset="-120"/>
+              </a:rPr>
+              <a:t>袮</a:t>
+            </a:r>
+            <a:endParaRPr lang="zh-TW" altLang="en-US" sz="7200" b="1" i="1" dirty="0">
               <a:solidFill>
                 <a:srgbClr val="660033"/>
               </a:solidFill>
+              <a:effectLst>
+                <a:outerShdw blurRad="38100" dist="38100" dir="2700000" algn="tl">
+                  <a:srgbClr val="000000">
+                    <a:alpha val="43137"/>
+                  </a:srgbClr>
+                </a:outerShdw>
+              </a:effectLst>
               <a:latin typeface="微軟正黑體" pitchFamily="34" charset="-120"/>
               <a:ea typeface="微軟正黑體" pitchFamily="34" charset="-120"/>
             </a:endParaRPr>
           </a:p>
         </p:txBody>
       </p:sp>
-      <p:sp>
-        <p:nvSpPr>
-          <p:cNvPr id="5" name="Content Placeholder 4"/>
-          <p:cNvSpPr>
-            <a:spLocks noGrp="1"/>
-          </p:cNvSpPr>
-          <p:nvPr>
-            <p:ph idx="1"/>
-          </p:nvPr>
-        </p:nvSpPr>
-        <p:spPr/>
-        <p:txBody>
-          <a:bodyPr>
-            <a:normAutofit/>
-          </a:bodyPr>
-          <a:lstStyle/>
-          <a:p>
-            <a:pPr algn="ctr">
-              <a:buNone/>
-            </a:pPr>
-            <a:r>
-              <a:rPr lang="zh-TW" altLang="en-US" sz="5400" b="1" dirty="0" smtClean="0">
-                <a:solidFill>
-                  <a:srgbClr val="660033"/>
-                </a:solidFill>
-                <a:latin typeface="微軟正黑體" pitchFamily="34" charset="-120"/>
-                <a:ea typeface="微軟正黑體" pitchFamily="34" charset="-120"/>
-              </a:rPr>
-              <a:t>生命在於你  主</a:t>
-            </a:r>
-            <a:endParaRPr lang="en-US" altLang="zh-TW" sz="5400" b="1" dirty="0" smtClean="0">
-              <a:solidFill>
-                <a:srgbClr val="660033"/>
-              </a:solidFill>
-              <a:latin typeface="微軟正黑體" pitchFamily="34" charset="-120"/>
-              <a:ea typeface="微軟正黑體" pitchFamily="34" charset="-120"/>
-            </a:endParaRPr>
-          </a:p>
-          <a:p>
-            <a:pPr algn="ctr">
-              <a:buNone/>
-            </a:pPr>
-            <a:r>
-              <a:rPr lang="zh-TW" altLang="en-US" sz="5400" b="1" dirty="0" smtClean="0">
-                <a:solidFill>
-                  <a:srgbClr val="660033"/>
-                </a:solidFill>
-                <a:latin typeface="微軟正黑體" pitchFamily="34" charset="-120"/>
-                <a:ea typeface="微軟正黑體" pitchFamily="34" charset="-120"/>
-              </a:rPr>
-              <a:t>力量在於</a:t>
-            </a:r>
-            <a:r>
-              <a:rPr lang="zh-TW" altLang="en-US" sz="5400" b="1" dirty="0" smtClean="0">
-                <a:solidFill>
-                  <a:srgbClr val="660033"/>
-                </a:solidFill>
-                <a:latin typeface="微軟正黑體" pitchFamily="34" charset="-120"/>
-                <a:ea typeface="微軟正黑體" pitchFamily="34" charset="-120"/>
-              </a:rPr>
-              <a:t>你  主</a:t>
-            </a:r>
-            <a:endParaRPr lang="en-US" altLang="zh-TW" sz="5400" b="1" dirty="0" smtClean="0">
-              <a:solidFill>
-                <a:srgbClr val="660033"/>
-              </a:solidFill>
-              <a:latin typeface="微軟正黑體" pitchFamily="34" charset="-120"/>
-              <a:ea typeface="微軟正黑體" pitchFamily="34" charset="-120"/>
-            </a:endParaRPr>
-          </a:p>
-          <a:p>
-            <a:pPr algn="ctr">
-              <a:buNone/>
-            </a:pPr>
-            <a:r>
-              <a:rPr lang="zh-TW" altLang="en-US" sz="5400" b="1" dirty="0" smtClean="0">
-                <a:solidFill>
-                  <a:srgbClr val="660033"/>
-                </a:solidFill>
-                <a:latin typeface="微軟正黑體" pitchFamily="34" charset="-120"/>
-                <a:ea typeface="微軟正黑體" pitchFamily="34" charset="-120"/>
-              </a:rPr>
-              <a:t>盼望在於</a:t>
-            </a:r>
-            <a:r>
-              <a:rPr lang="zh-TW" altLang="en-US" sz="5400" b="1" dirty="0" smtClean="0">
-                <a:solidFill>
-                  <a:srgbClr val="660033"/>
-                </a:solidFill>
-                <a:latin typeface="微軟正黑體" pitchFamily="34" charset="-120"/>
-                <a:ea typeface="微軟正黑體" pitchFamily="34" charset="-120"/>
-              </a:rPr>
-              <a:t>你  主</a:t>
-            </a:r>
-            <a:endParaRPr lang="en-US" altLang="zh-TW" sz="5400" b="1" dirty="0" smtClean="0">
-              <a:solidFill>
-                <a:srgbClr val="660033"/>
-              </a:solidFill>
-              <a:latin typeface="微軟正黑體" pitchFamily="34" charset="-120"/>
-              <a:ea typeface="微軟正黑體" pitchFamily="34" charset="-120"/>
-            </a:endParaRPr>
-          </a:p>
-          <a:p>
-            <a:pPr algn="ctr">
-              <a:buNone/>
-            </a:pPr>
-            <a:r>
-              <a:rPr lang="zh-TW" altLang="en-US" sz="5400" b="1" dirty="0" smtClean="0">
-                <a:solidFill>
-                  <a:srgbClr val="660033"/>
-                </a:solidFill>
-                <a:latin typeface="微軟正黑體" pitchFamily="34" charset="-120"/>
-                <a:ea typeface="微軟正黑體" pitchFamily="34" charset="-120"/>
-              </a:rPr>
-              <a:t>在於  在於你</a:t>
-            </a:r>
-            <a:endParaRPr lang="en-US" sz="5400" b="1" dirty="0">
-              <a:solidFill>
-                <a:srgbClr val="660033"/>
-              </a:solidFill>
-              <a:latin typeface="微軟正黑體" pitchFamily="34" charset="-120"/>
-              <a:ea typeface="微軟正黑體" pitchFamily="34" charset="-120"/>
-            </a:endParaRPr>
-          </a:p>
-        </p:txBody>
-      </p:sp>
     </p:spTree>
+    <p:extLst>
+      <p:ext uri="{BB962C8B-B14F-4D97-AF65-F5344CB8AC3E}">
+        <p14:creationId xmlns:p14="http://schemas.microsoft.com/office/powerpoint/2010/main" val="3563559858"/>
+      </p:ext>
+    </p:extLst>
   </p:cSld>
   <p:clrMapOvr>
     <a:masterClrMapping/>
@@ -3259,30 +3228,100 @@
       </p:grpSpPr>
       <p:sp>
         <p:nvSpPr>
-          <p:cNvPr id="4" name="Title 3"/>
-          <p:cNvSpPr>
-            <a:spLocks noGrp="1"/>
-          </p:cNvSpPr>
-          <p:nvPr>
-            <p:ph type="title"/>
-          </p:nvPr>
-        </p:nvSpPr>
-        <p:spPr/>
-        <p:txBody>
-          <a:bodyPr/>
-          <a:lstStyle/>
-          <a:p>
-            <a:r>
-              <a:rPr lang="zh-TW" altLang="en-US" b="1" dirty="0">
+          <p:cNvPr id="5" name="內容版面配置區 4"/>
+          <p:cNvSpPr>
+            <a:spLocks noGrp="1"/>
+          </p:cNvSpPr>
+          <p:nvPr>
+            <p:ph idx="1"/>
+          </p:nvPr>
+        </p:nvSpPr>
+        <p:spPr>
+          <a:xfrm>
+            <a:off x="0" y="2084851"/>
+            <a:ext cx="12192000" cy="2404863"/>
+          </a:xfrm>
+        </p:spPr>
+        <p:txBody>
+          <a:bodyPr anchor="ctr">
+            <a:normAutofit/>
+          </a:bodyPr>
+          <a:lstStyle/>
+          <a:p>
+            <a:pPr algn="ctr">
+              <a:buNone/>
+            </a:pPr>
+            <a:r>
+              <a:rPr lang="zh-TW" altLang="en-US" sz="6400" b="1" dirty="0">
                 <a:solidFill>
                   <a:srgbClr val="660033"/>
                 </a:solidFill>
                 <a:latin typeface="微軟正黑體" pitchFamily="34" charset="-120"/>
                 <a:ea typeface="微軟正黑體" pitchFamily="34" charset="-120"/>
               </a:rPr>
-              <a:t>生命在於你</a:t>
-            </a:r>
-            <a:endParaRPr lang="en-US" b="1" dirty="0">
+              <a:t>生命在於</a:t>
+            </a:r>
+            <a:r>
+              <a:rPr lang="zh-CN" altLang="en-US" sz="6400" b="1" dirty="0">
+                <a:solidFill>
+                  <a:srgbClr val="660033"/>
+                </a:solidFill>
+                <a:latin typeface="微軟正黑體" pitchFamily="34" charset="-120"/>
+                <a:ea typeface="微軟正黑體" pitchFamily="34" charset="-120"/>
+              </a:rPr>
+              <a:t>袮</a:t>
+            </a:r>
+            <a:r>
+              <a:rPr lang="zh-TW" altLang="en-US" sz="6400" b="1" dirty="0">
+                <a:solidFill>
+                  <a:srgbClr val="660033"/>
+                </a:solidFill>
+                <a:latin typeface="微軟正黑體" pitchFamily="34" charset="-120"/>
+                <a:ea typeface="微軟正黑體" pitchFamily="34" charset="-120"/>
+              </a:rPr>
+              <a:t>主</a:t>
+            </a:r>
+            <a:r>
+              <a:rPr lang="en-US" altLang="zh-TW" sz="6400" b="1" dirty="0">
+                <a:solidFill>
+                  <a:srgbClr val="660033"/>
+                </a:solidFill>
+                <a:latin typeface="微軟正黑體" pitchFamily="34" charset="-120"/>
+                <a:ea typeface="微軟正黑體" pitchFamily="34" charset="-120"/>
+              </a:rPr>
+              <a:t>  </a:t>
+            </a:r>
+            <a:r>
+              <a:rPr lang="zh-TW" altLang="en-US" sz="6400" b="1" dirty="0">
+                <a:solidFill>
+                  <a:srgbClr val="660033"/>
+                </a:solidFill>
+                <a:latin typeface="微軟正黑體" pitchFamily="34" charset="-120"/>
+                <a:ea typeface="微軟正黑體" pitchFamily="34" charset="-120"/>
+              </a:rPr>
+              <a:t>力量在於</a:t>
+            </a:r>
+            <a:r>
+              <a:rPr lang="zh-CN" altLang="en-US" sz="6400" b="1" dirty="0">
+                <a:solidFill>
+                  <a:srgbClr val="660033"/>
+                </a:solidFill>
+                <a:latin typeface="微軟正黑體" pitchFamily="34" charset="-120"/>
+                <a:ea typeface="微軟正黑體" pitchFamily="34" charset="-120"/>
+              </a:rPr>
+              <a:t>袮</a:t>
+            </a:r>
+            <a:r>
+              <a:rPr lang="zh-TW" altLang="en-US" sz="6400" b="1" dirty="0">
+                <a:solidFill>
+                  <a:srgbClr val="660033"/>
+                </a:solidFill>
+                <a:latin typeface="微軟正黑體" pitchFamily="34" charset="-120"/>
+                <a:ea typeface="微軟正黑體" pitchFamily="34" charset="-120"/>
+              </a:rPr>
+              <a:t>主</a:t>
+            </a:r>
+            <a:endParaRPr lang="en-US" altLang="zh-TW" sz="6400" b="1" dirty="0">
               <a:solidFill>
                 <a:srgbClr val="660033"/>
               </a:solidFill>
@@ -3290,39 +3329,71 @@
               <a:ea typeface="微軟正黑體" pitchFamily="34" charset="-120"/>
             </a:endParaRPr>
           </a:p>
-        </p:txBody>
-      </p:sp>
-      <p:sp>
-        <p:nvSpPr>
-          <p:cNvPr id="5" name="Content Placeholder 4"/>
-          <p:cNvSpPr>
-            <a:spLocks noGrp="1"/>
-          </p:cNvSpPr>
-          <p:nvPr>
-            <p:ph idx="1"/>
-          </p:nvPr>
-        </p:nvSpPr>
-        <p:spPr/>
-        <p:txBody>
-          <a:bodyPr>
-            <a:normAutofit/>
-          </a:bodyPr>
-          <a:lstStyle/>
           <a:p>
             <a:pPr algn="ctr">
               <a:buNone/>
             </a:pPr>
             <a:r>
-              <a:rPr lang="zh-TW" altLang="en-US" sz="5400" b="1" dirty="0" smtClean="0">
+              <a:rPr lang="zh-TW" altLang="en-US" sz="6400" b="1" dirty="0">
                 <a:solidFill>
                   <a:srgbClr val="660033"/>
                 </a:solidFill>
                 <a:latin typeface="微軟正黑體" pitchFamily="34" charset="-120"/>
                 <a:ea typeface="微軟正黑體" pitchFamily="34" charset="-120"/>
               </a:rPr>
-              <a:t>我要以生命來讚美你</a:t>
-            </a:r>
-            <a:endParaRPr lang="en-US" altLang="zh-TW" sz="5400" b="1" dirty="0" smtClean="0">
+              <a:t>盼望在於</a:t>
+            </a:r>
+            <a:r>
+              <a:rPr lang="zh-CN" altLang="en-US" sz="6400" b="1" dirty="0">
+                <a:solidFill>
+                  <a:srgbClr val="660033"/>
+                </a:solidFill>
+                <a:latin typeface="微軟正黑體" pitchFamily="34" charset="-120"/>
+                <a:ea typeface="微軟正黑體" pitchFamily="34" charset="-120"/>
+              </a:rPr>
+              <a:t>袮</a:t>
+            </a:r>
+            <a:r>
+              <a:rPr lang="zh-TW" altLang="en-US" sz="6400" b="1" dirty="0">
+                <a:solidFill>
+                  <a:srgbClr val="660033"/>
+                </a:solidFill>
+                <a:latin typeface="微軟正黑體" pitchFamily="34" charset="-120"/>
+                <a:ea typeface="微軟正黑體" pitchFamily="34" charset="-120"/>
+              </a:rPr>
+              <a:t>主</a:t>
+            </a:r>
+            <a:r>
+              <a:rPr lang="en-US" altLang="zh-TW" sz="6400" b="1" dirty="0">
+                <a:solidFill>
+                  <a:srgbClr val="660033"/>
+                </a:solidFill>
+                <a:latin typeface="微軟正黑體" pitchFamily="34" charset="-120"/>
+                <a:ea typeface="微軟正黑體" pitchFamily="34" charset="-120"/>
+              </a:rPr>
+              <a:t>  </a:t>
+            </a:r>
+            <a:r>
+              <a:rPr lang="zh-TW" altLang="en-US" sz="6400" b="1" dirty="0">
+                <a:solidFill>
+                  <a:srgbClr val="660033"/>
+                </a:solidFill>
+                <a:latin typeface="微軟正黑體" pitchFamily="34" charset="-120"/>
+                <a:ea typeface="微軟正黑體" pitchFamily="34" charset="-120"/>
+              </a:rPr>
+              <a:t>在於  在於</a:t>
+            </a:r>
+            <a:r>
+              <a:rPr lang="zh-CN" altLang="en-US" sz="6400" b="1" dirty="0">
+                <a:solidFill>
+                  <a:srgbClr val="660033"/>
+                </a:solidFill>
+                <a:latin typeface="微軟正黑體" pitchFamily="34" charset="-120"/>
+                <a:ea typeface="微軟正黑體" pitchFamily="34" charset="-120"/>
+              </a:rPr>
+              <a:t>袮</a:t>
+            </a:r>
+            <a:endParaRPr lang="en-US" sz="6400" b="1" dirty="0">
               <a:solidFill>
                 <a:srgbClr val="660033"/>
               </a:solidFill>
@@ -3330,75 +3401,116 @@
               <a:ea typeface="微軟正黑體" pitchFamily="34" charset="-120"/>
             </a:endParaRPr>
           </a:p>
-          <a:p>
-            <a:pPr algn="ctr">
-              <a:buNone/>
-            </a:pPr>
-            <a:r>
-              <a:rPr lang="zh-TW" altLang="en-US" sz="5400" b="1" dirty="0" smtClean="0">
-                <a:solidFill>
-                  <a:srgbClr val="660033"/>
-                </a:solidFill>
-                <a:latin typeface="微軟正黑體" pitchFamily="34" charset="-120"/>
-                <a:ea typeface="微軟正黑體" pitchFamily="34" charset="-120"/>
-              </a:rPr>
-              <a:t>我要盡全力來讚美你</a:t>
-            </a:r>
-            <a:endParaRPr lang="en-US" altLang="zh-TW" sz="5400" b="1" dirty="0" smtClean="0">
+        </p:txBody>
+      </p:sp>
+      <p:sp>
+        <p:nvSpPr>
+          <p:cNvPr id="3" name="TextBox 2"/>
+          <p:cNvSpPr txBox="1"/>
+          <p:nvPr/>
+        </p:nvSpPr>
+        <p:spPr>
+          <a:xfrm>
+            <a:off x="0" y="5157192"/>
+            <a:ext cx="12192000" cy="666786"/>
+          </a:xfrm>
+          <a:prstGeom prst="rect">
+            <a:avLst/>
+          </a:prstGeom>
+          <a:noFill/>
+        </p:spPr>
+        <p:txBody>
+          <a:bodyPr wrap="square" rtlCol="0">
+            <a:spAutoFit/>
+          </a:bodyPr>
+          <a:lstStyle/>
+          <a:p>
+            <a:pPr algn="ctr"/>
+            <a:r>
+              <a:rPr lang="en-US" sz="3733" b="1" dirty="0">
+                <a:solidFill>
+                  <a:srgbClr val="660033"/>
+                </a:solidFill>
+                <a:latin typeface="Microsoft JhengHei" panose="020B0604030504040204" pitchFamily="34" charset="-120"/>
+                <a:ea typeface="Microsoft JhengHei" panose="020B0604030504040204" pitchFamily="34" charset="-120"/>
+              </a:rPr>
+              <a:t>( </a:t>
+            </a:r>
+            <a:r>
+              <a:rPr lang="zh-CN" altLang="en-US" sz="3733" b="1" dirty="0">
+                <a:solidFill>
+                  <a:srgbClr val="660033"/>
+                </a:solidFill>
+                <a:latin typeface="Microsoft JhengHei" panose="020B0604030504040204" pitchFamily="34" charset="-120"/>
+                <a:ea typeface="Microsoft JhengHei" panose="020B0604030504040204" pitchFamily="34" charset="-120"/>
+              </a:rPr>
+              <a:t>正歌</a:t>
+            </a:r>
+            <a:r>
+              <a:rPr lang="en-US" sz="3733" b="1" dirty="0">
+                <a:solidFill>
+                  <a:srgbClr val="660033"/>
+                </a:solidFill>
+                <a:latin typeface="Microsoft JhengHei" panose="020B0604030504040204" pitchFamily="34" charset="-120"/>
+                <a:ea typeface="Microsoft JhengHei" panose="020B0604030504040204" pitchFamily="34" charset="-120"/>
+              </a:rPr>
+              <a:t> )</a:t>
+            </a:r>
+            <a:r>
+              <a:rPr lang="en-US" sz="3733" b="1" dirty="0">
+                <a:solidFill>
+                  <a:srgbClr val="000066"/>
+                </a:solidFill>
+                <a:latin typeface="Microsoft JhengHei" panose="020B0604030504040204" pitchFamily="34" charset="-120"/>
+                <a:ea typeface="Microsoft JhengHei" panose="020B0604030504040204" pitchFamily="34" charset="-120"/>
+              </a:rPr>
+              <a:t> </a:t>
+            </a:r>
+            <a:r>
+              <a:rPr lang="en-US" sz="3733" b="1" dirty="0">
+                <a:solidFill>
+                  <a:srgbClr val="660033"/>
+                </a:solidFill>
+                <a:latin typeface="Microsoft JhengHei" panose="020B0604030504040204" pitchFamily="34" charset="-120"/>
+                <a:ea typeface="Microsoft JhengHei" panose="020B0604030504040204" pitchFamily="34" charset="-120"/>
+              </a:rPr>
+              <a:t>( 2 </a:t>
+            </a:r>
+            <a:r>
+              <a:rPr lang="zh-CN" altLang="en-US" sz="3733" b="1" dirty="0">
+                <a:solidFill>
+                  <a:srgbClr val="660033"/>
+                </a:solidFill>
+                <a:latin typeface="Microsoft JhengHei" panose="020B0604030504040204" pitchFamily="34" charset="-120"/>
+                <a:ea typeface="Microsoft JhengHei" panose="020B0604030504040204" pitchFamily="34" charset="-120"/>
+              </a:rPr>
+              <a:t>次 </a:t>
+            </a:r>
+            <a:r>
+              <a:rPr lang="en-US" sz="3733" b="1" dirty="0">
+                <a:solidFill>
+                  <a:srgbClr val="660033"/>
+                </a:solidFill>
+                <a:latin typeface="Microsoft JhengHei" panose="020B0604030504040204" pitchFamily="34" charset="-120"/>
+                <a:ea typeface="Microsoft JhengHei" panose="020B0604030504040204" pitchFamily="34" charset="-120"/>
+              </a:rPr>
+              <a:t>)</a:t>
+            </a:r>
+            <a:endParaRPr lang="vi-VN" sz="3733" b="1" dirty="0">
               <a:solidFill>
                 <a:srgbClr val="660033"/>
               </a:solidFill>
-              <a:latin typeface="微軟正黑體" pitchFamily="34" charset="-120"/>
-              <a:ea typeface="微軟正黑體" pitchFamily="34" charset="-120"/>
+              <a:ea typeface="Microsoft JhengHei" panose="020B0604030504040204" pitchFamily="34" charset="-120"/>
             </a:endParaRPr>
           </a:p>
-          <a:p>
-            <a:pPr algn="ctr">
-              <a:buNone/>
-            </a:pPr>
-            <a:r>
-              <a:rPr lang="zh-TW" altLang="en-US" sz="5400" b="1" dirty="0" smtClean="0">
-                <a:solidFill>
-                  <a:srgbClr val="660033"/>
-                </a:solidFill>
-                <a:latin typeface="微軟正黑體" pitchFamily="34" charset="-120"/>
-                <a:ea typeface="微軟正黑體" pitchFamily="34" charset="-120"/>
-              </a:rPr>
-              <a:t>全心讚美你  全力讚美你</a:t>
-            </a:r>
-            <a:endParaRPr lang="en-US" altLang="zh-TW" sz="5400" b="1" dirty="0" smtClean="0">
-              <a:solidFill>
-                <a:srgbClr val="660033"/>
-              </a:solidFill>
-              <a:latin typeface="微軟正黑體" pitchFamily="34" charset="-120"/>
-              <a:ea typeface="微軟正黑體" pitchFamily="34" charset="-120"/>
-            </a:endParaRPr>
-          </a:p>
-          <a:p>
-            <a:pPr algn="ctr">
-              <a:buNone/>
-            </a:pPr>
-            <a:r>
-              <a:rPr lang="zh-TW" altLang="en-US" sz="5400" b="1" dirty="0" smtClean="0">
-                <a:solidFill>
-                  <a:srgbClr val="660033"/>
-                </a:solidFill>
-                <a:latin typeface="微軟正黑體" pitchFamily="34" charset="-120"/>
-                <a:ea typeface="微軟正黑體" pitchFamily="34" charset="-120"/>
-              </a:rPr>
-              <a:t>我的盼望在於你</a:t>
-            </a:r>
-            <a:endParaRPr lang="en-US" sz="5400" b="1" dirty="0">
-              <a:solidFill>
-                <a:srgbClr val="660033"/>
-              </a:solidFill>
-              <a:latin typeface="微軟正黑體" pitchFamily="34" charset="-120"/>
-              <a:ea typeface="微軟正黑體" pitchFamily="34" charset="-120"/>
-            </a:endParaRPr>
-          </a:p>
         </p:txBody>
       </p:sp>
     </p:spTree>
+    <p:extLst>
+      <p:ext uri="{BB962C8B-B14F-4D97-AF65-F5344CB8AC3E}">
+        <p14:creationId xmlns:p14="http://schemas.microsoft.com/office/powerpoint/2010/main" val="1286222592"/>
+      </p:ext>
+    </p:extLst>
   </p:cSld>
   <p:clrMapOvr>
     <a:masterClrMapping/>
@@ -3425,30 +3537,50 @@
       </p:grpSpPr>
       <p:sp>
         <p:nvSpPr>
-          <p:cNvPr id="4" name="Title 3"/>
-          <p:cNvSpPr>
-            <a:spLocks noGrp="1"/>
-          </p:cNvSpPr>
-          <p:nvPr>
-            <p:ph type="title"/>
-          </p:nvPr>
-        </p:nvSpPr>
-        <p:spPr/>
-        <p:txBody>
-          <a:bodyPr/>
-          <a:lstStyle/>
-          <a:p>
-            <a:r>
-              <a:rPr lang="zh-TW" altLang="en-US" b="1" dirty="0">
+          <p:cNvPr id="5" name="內容版面配置區 4"/>
+          <p:cNvSpPr>
+            <a:spLocks noGrp="1"/>
+          </p:cNvSpPr>
+          <p:nvPr>
+            <p:ph idx="1"/>
+          </p:nvPr>
+        </p:nvSpPr>
+        <p:spPr>
+          <a:xfrm>
+            <a:off x="0" y="2084851"/>
+            <a:ext cx="12192000" cy="2404863"/>
+          </a:xfrm>
+        </p:spPr>
+        <p:txBody>
+          <a:bodyPr anchor="ctr">
+            <a:normAutofit/>
+          </a:bodyPr>
+          <a:lstStyle/>
+          <a:p>
+            <a:pPr algn="ctr">
+              <a:buNone/>
+            </a:pPr>
+            <a:r>
+              <a:rPr lang="zh-TW" altLang="en-US" sz="6400" b="1" dirty="0">
                 <a:solidFill>
                   <a:srgbClr val="660033"/>
                 </a:solidFill>
                 <a:latin typeface="微軟正黑體" pitchFamily="34" charset="-120"/>
                 <a:ea typeface="微軟正黑體" pitchFamily="34" charset="-120"/>
               </a:rPr>
-              <a:t>生命在於你</a:t>
-            </a:r>
-            <a:endParaRPr lang="en-US" b="1" dirty="0">
+              <a:t>我要以生命來讚美</a:t>
+            </a:r>
+            <a:r>
+              <a:rPr lang="zh-CN" altLang="en-US" sz="6400" b="1" dirty="0">
+                <a:solidFill>
+                  <a:srgbClr val="660033"/>
+                </a:solidFill>
+                <a:latin typeface="微軟正黑體" pitchFamily="34" charset="-120"/>
+                <a:ea typeface="微軟正黑體" pitchFamily="34" charset="-120"/>
+              </a:rPr>
+              <a:t>袮</a:t>
+            </a:r>
+            <a:endParaRPr lang="en-US" altLang="zh-TW" sz="6400" b="1" dirty="0">
               <a:solidFill>
                 <a:srgbClr val="660033"/>
               </a:solidFill>
@@ -3456,49 +3588,31 @@
               <a:ea typeface="微軟正黑體" pitchFamily="34" charset="-120"/>
             </a:endParaRPr>
           </a:p>
-        </p:txBody>
-      </p:sp>
-      <p:sp>
-        <p:nvSpPr>
-          <p:cNvPr id="5" name="Content Placeholder 4"/>
-          <p:cNvSpPr>
-            <a:spLocks noGrp="1"/>
-          </p:cNvSpPr>
-          <p:nvPr>
-            <p:ph idx="1"/>
-          </p:nvPr>
-        </p:nvSpPr>
-        <p:spPr/>
-        <p:txBody>
-          <a:bodyPr>
-            <a:normAutofit/>
-          </a:bodyPr>
-          <a:lstStyle/>
           <a:p>
             <a:pPr algn="ctr">
               <a:buNone/>
             </a:pPr>
             <a:r>
-              <a:rPr lang="zh-TW" altLang="en-US" sz="5400" b="1" dirty="0" smtClean="0">
+              <a:rPr lang="zh-TW" altLang="en-US" sz="6400" b="1" dirty="0">
                 <a:solidFill>
                   <a:srgbClr val="660033"/>
                 </a:solidFill>
                 <a:latin typeface="微軟正黑體" pitchFamily="34" charset="-120"/>
                 <a:ea typeface="微軟正黑體" pitchFamily="34" charset="-120"/>
               </a:rPr>
-              <a:t>生命在於</a:t>
-            </a:r>
-            <a:r>
-              <a:rPr lang="zh-TW" altLang="en-US" sz="5400" b="1" dirty="0" smtClean="0">
+              <a:t>我要盡全力來讚美</a:t>
+            </a:r>
+            <a:r>
+              <a:rPr lang="zh-CN" altLang="en-US" sz="6400" b="1" dirty="0">
                 <a:solidFill>
                   <a:srgbClr val="660033"/>
                 </a:solidFill>
                 <a:latin typeface="微軟正黑體" pitchFamily="34" charset="-120"/>
                 <a:ea typeface="微軟正黑體" pitchFamily="34" charset="-120"/>
               </a:rPr>
-              <a:t>你  主</a:t>
-            </a:r>
-            <a:endParaRPr lang="en-US" altLang="zh-TW" sz="5400" b="1" dirty="0" smtClean="0">
+              <a:t>袮</a:t>
+            </a:r>
+            <a:endParaRPr lang="en-US" altLang="zh-TW" sz="6400" b="1" dirty="0">
               <a:solidFill>
                 <a:srgbClr val="660033"/>
               </a:solidFill>
@@ -3506,95 +3620,86 @@
               <a:ea typeface="微軟正黑體" pitchFamily="34" charset="-120"/>
             </a:endParaRPr>
           </a:p>
-          <a:p>
-            <a:pPr algn="ctr">
-              <a:buNone/>
-            </a:pPr>
-            <a:r>
-              <a:rPr lang="zh-TW" altLang="en-US" sz="5400" b="1" dirty="0" smtClean="0">
-                <a:solidFill>
-                  <a:srgbClr val="660033"/>
-                </a:solidFill>
-                <a:latin typeface="微軟正黑體" pitchFamily="34" charset="-120"/>
-                <a:ea typeface="微軟正黑體" pitchFamily="34" charset="-120"/>
-              </a:rPr>
-              <a:t>力量在於</a:t>
-            </a:r>
-            <a:r>
-              <a:rPr lang="zh-TW" altLang="en-US" sz="5400" b="1" dirty="0" smtClean="0">
-                <a:solidFill>
-                  <a:srgbClr val="660033"/>
-                </a:solidFill>
-                <a:latin typeface="微軟正黑體" pitchFamily="34" charset="-120"/>
-                <a:ea typeface="微軟正黑體" pitchFamily="34" charset="-120"/>
-              </a:rPr>
-              <a:t>你  主</a:t>
-            </a:r>
-            <a:endParaRPr lang="en-US" altLang="zh-TW" sz="5400" b="1" dirty="0" smtClean="0">
+        </p:txBody>
+      </p:sp>
+      <p:sp>
+        <p:nvSpPr>
+          <p:cNvPr id="3" name="TextBox 2"/>
+          <p:cNvSpPr txBox="1"/>
+          <p:nvPr/>
+        </p:nvSpPr>
+        <p:spPr>
+          <a:xfrm>
+            <a:off x="0" y="5157192"/>
+            <a:ext cx="12192000" cy="666786"/>
+          </a:xfrm>
+          <a:prstGeom prst="rect">
+            <a:avLst/>
+          </a:prstGeom>
+          <a:noFill/>
+        </p:spPr>
+        <p:txBody>
+          <a:bodyPr wrap="square" rtlCol="0">
+            <a:spAutoFit/>
+          </a:bodyPr>
+          <a:lstStyle/>
+          <a:p>
+            <a:pPr algn="ctr"/>
+            <a:r>
+              <a:rPr lang="en-US" sz="3733" b="1" dirty="0">
+                <a:solidFill>
+                  <a:srgbClr val="660033"/>
+                </a:solidFill>
+                <a:latin typeface="Microsoft JhengHei" panose="020B0604030504040204" pitchFamily="34" charset="-120"/>
+                <a:ea typeface="Microsoft JhengHei" panose="020B0604030504040204" pitchFamily="34" charset="-120"/>
+              </a:rPr>
+              <a:t>( </a:t>
+            </a:r>
+            <a:r>
+              <a:rPr lang="zh-CN" altLang="en-US" sz="3733" b="1" dirty="0">
+                <a:solidFill>
+                  <a:srgbClr val="660033"/>
+                </a:solidFill>
+                <a:latin typeface="Microsoft JhengHei" panose="020B0604030504040204" pitchFamily="34" charset="-120"/>
+                <a:ea typeface="Microsoft JhengHei" panose="020B0604030504040204" pitchFamily="34" charset="-120"/>
+              </a:rPr>
+              <a:t>副歌</a:t>
+            </a:r>
+            <a:r>
+              <a:rPr lang="en-US" sz="3733" b="1" dirty="0">
+                <a:solidFill>
+                  <a:srgbClr val="660033"/>
+                </a:solidFill>
+                <a:latin typeface="Microsoft JhengHei" panose="020B0604030504040204" pitchFamily="34" charset="-120"/>
+                <a:ea typeface="Microsoft JhengHei" panose="020B0604030504040204" pitchFamily="34" charset="-120"/>
+              </a:rPr>
+              <a:t> )</a:t>
+            </a:r>
+            <a:r>
+              <a:rPr lang="en-US" sz="3733" b="1" dirty="0">
+                <a:solidFill>
+                  <a:srgbClr val="000066"/>
+                </a:solidFill>
+                <a:latin typeface="Microsoft JhengHei" panose="020B0604030504040204" pitchFamily="34" charset="-120"/>
+                <a:ea typeface="Microsoft JhengHei" panose="020B0604030504040204" pitchFamily="34" charset="-120"/>
+              </a:rPr>
+              <a:t> </a:t>
+            </a:r>
+            <a:endParaRPr lang="vi-VN" sz="3733" b="1" dirty="0">
               <a:solidFill>
                 <a:srgbClr val="660033"/>
               </a:solidFill>
-              <a:latin typeface="微軟正黑體" pitchFamily="34" charset="-120"/>
-              <a:ea typeface="微軟正黑體" pitchFamily="34" charset="-120"/>
+              <a:ea typeface="Microsoft JhengHei" panose="020B0604030504040204" pitchFamily="34" charset="-120"/>
             </a:endParaRPr>
           </a:p>
-          <a:p>
-            <a:pPr algn="ctr">
-              <a:buNone/>
-            </a:pPr>
-            <a:r>
-              <a:rPr lang="zh-TW" altLang="en-US" sz="5400" b="1" dirty="0" smtClean="0">
-                <a:solidFill>
-                  <a:srgbClr val="660033"/>
-                </a:solidFill>
-                <a:latin typeface="微軟正黑體" pitchFamily="34" charset="-120"/>
-                <a:ea typeface="微軟正黑體" pitchFamily="34" charset="-120"/>
-              </a:rPr>
-              <a:t>盼望在於</a:t>
-            </a:r>
-            <a:r>
-              <a:rPr lang="zh-TW" altLang="en-US" sz="5400" b="1" dirty="0" smtClean="0">
-                <a:solidFill>
-                  <a:srgbClr val="660033"/>
-                </a:solidFill>
-                <a:latin typeface="微軟正黑體" pitchFamily="34" charset="-120"/>
-                <a:ea typeface="微軟正黑體" pitchFamily="34" charset="-120"/>
-              </a:rPr>
-              <a:t>你  主</a:t>
-            </a:r>
-            <a:endParaRPr lang="en-US" altLang="zh-TW" sz="5400" b="1" dirty="0" smtClean="0">
-              <a:solidFill>
-                <a:srgbClr val="660033"/>
-              </a:solidFill>
-              <a:latin typeface="微軟正黑體" pitchFamily="34" charset="-120"/>
-              <a:ea typeface="微軟正黑體" pitchFamily="34" charset="-120"/>
-            </a:endParaRPr>
-          </a:p>
-          <a:p>
-            <a:pPr algn="ctr">
-              <a:buNone/>
-            </a:pPr>
-            <a:r>
-              <a:rPr lang="zh-TW" altLang="en-US" sz="5400" b="1" dirty="0" smtClean="0">
-                <a:solidFill>
-                  <a:srgbClr val="660033"/>
-                </a:solidFill>
-                <a:latin typeface="微軟正黑體" pitchFamily="34" charset="-120"/>
-                <a:ea typeface="微軟正黑體" pitchFamily="34" charset="-120"/>
-              </a:rPr>
-              <a:t>在於  在於你</a:t>
-            </a:r>
-            <a:endParaRPr lang="en-US" sz="5400" b="1" dirty="0">
-              <a:solidFill>
-                <a:srgbClr val="660033"/>
-              </a:solidFill>
-              <a:latin typeface="微軟正黑體" pitchFamily="34" charset="-120"/>
-              <a:ea typeface="微軟正黑體" pitchFamily="34" charset="-120"/>
-            </a:endParaRPr>
-          </a:p>
         </p:txBody>
       </p:sp>
     </p:spTree>
+    <p:extLst>
+      <p:ext uri="{BB962C8B-B14F-4D97-AF65-F5344CB8AC3E}">
+        <p14:creationId xmlns:p14="http://schemas.microsoft.com/office/powerpoint/2010/main" val="2711397406"/>
+      </p:ext>
+    </p:extLst>
   </p:cSld>
   <p:clrMapOvr>
     <a:masterClrMapping/>
@@ -3621,30 +3726,70 @@
       </p:grpSpPr>
       <p:sp>
         <p:nvSpPr>
-          <p:cNvPr id="4" name="Title 3"/>
-          <p:cNvSpPr>
-            <a:spLocks noGrp="1"/>
-          </p:cNvSpPr>
-          <p:nvPr>
-            <p:ph type="title"/>
-          </p:nvPr>
-        </p:nvSpPr>
-        <p:spPr/>
-        <p:txBody>
-          <a:bodyPr/>
-          <a:lstStyle/>
-          <a:p>
-            <a:r>
-              <a:rPr lang="zh-TW" altLang="en-US" b="1" dirty="0">
+          <p:cNvPr id="5" name="內容版面配置區 4"/>
+          <p:cNvSpPr>
+            <a:spLocks noGrp="1"/>
+          </p:cNvSpPr>
+          <p:nvPr>
+            <p:ph idx="1"/>
+          </p:nvPr>
+        </p:nvSpPr>
+        <p:spPr>
+          <a:xfrm>
+            <a:off x="0" y="2084851"/>
+            <a:ext cx="12192000" cy="2404863"/>
+          </a:xfrm>
+        </p:spPr>
+        <p:txBody>
+          <a:bodyPr anchor="ctr">
+            <a:normAutofit/>
+          </a:bodyPr>
+          <a:lstStyle/>
+          <a:p>
+            <a:pPr algn="ctr">
+              <a:buNone/>
+            </a:pPr>
+            <a:r>
+              <a:rPr lang="zh-TW" altLang="en-US" sz="6400" b="1" dirty="0">
                 <a:solidFill>
                   <a:srgbClr val="660033"/>
                 </a:solidFill>
                 <a:latin typeface="微軟正黑體" pitchFamily="34" charset="-120"/>
                 <a:ea typeface="微軟正黑體" pitchFamily="34" charset="-120"/>
               </a:rPr>
-              <a:t>生命在於你</a:t>
-            </a:r>
-            <a:endParaRPr lang="en-US" b="1" dirty="0">
+              <a:t>全心讚美</a:t>
+            </a:r>
+            <a:r>
+              <a:rPr lang="zh-CN" altLang="en-US" sz="6400" b="1" dirty="0">
+                <a:solidFill>
+                  <a:srgbClr val="660033"/>
+                </a:solidFill>
+                <a:latin typeface="微軟正黑體" pitchFamily="34" charset="-120"/>
+                <a:ea typeface="微軟正黑體" pitchFamily="34" charset="-120"/>
+              </a:rPr>
+              <a:t>袮  </a:t>
+            </a:r>
+            <a:r>
+              <a:rPr lang="zh-TW" altLang="en-US" sz="6400" b="1" dirty="0">
+                <a:solidFill>
+                  <a:srgbClr val="660033"/>
+                </a:solidFill>
+                <a:latin typeface="微軟正黑體" pitchFamily="34" charset="-120"/>
+                <a:ea typeface="微軟正黑體" pitchFamily="34" charset="-120"/>
+              </a:rPr>
+              <a:t>全力讚美</a:t>
+            </a:r>
+            <a:r>
+              <a:rPr lang="zh-CN" altLang="en-US" sz="6400" b="1" dirty="0">
+                <a:solidFill>
+                  <a:srgbClr val="660033"/>
+                </a:solidFill>
+                <a:latin typeface="微軟正黑體" pitchFamily="34" charset="-120"/>
+                <a:ea typeface="微軟正黑體" pitchFamily="34" charset="-120"/>
+              </a:rPr>
+              <a:t>袮</a:t>
+            </a:r>
+            <a:endParaRPr lang="en-US" altLang="zh-TW" sz="6400" b="1" dirty="0">
               <a:solidFill>
                 <a:srgbClr val="660033"/>
               </a:solidFill>
@@ -3652,39 +3797,31 @@
               <a:ea typeface="微軟正黑體" pitchFamily="34" charset="-120"/>
             </a:endParaRPr>
           </a:p>
-        </p:txBody>
-      </p:sp>
-      <p:sp>
-        <p:nvSpPr>
-          <p:cNvPr id="5" name="Content Placeholder 4"/>
-          <p:cNvSpPr>
-            <a:spLocks noGrp="1"/>
-          </p:cNvSpPr>
-          <p:nvPr>
-            <p:ph idx="1"/>
-          </p:nvPr>
-        </p:nvSpPr>
-        <p:spPr/>
-        <p:txBody>
-          <a:bodyPr>
-            <a:normAutofit/>
-          </a:bodyPr>
-          <a:lstStyle/>
           <a:p>
             <a:pPr algn="ctr">
               <a:buNone/>
             </a:pPr>
             <a:r>
-              <a:rPr lang="zh-TW" altLang="en-US" sz="5400" b="1" dirty="0" smtClean="0">
+              <a:rPr lang="zh-TW" altLang="en-US" sz="6400" b="1" dirty="0">
                 <a:solidFill>
                   <a:srgbClr val="660033"/>
                 </a:solidFill>
                 <a:latin typeface="微軟正黑體" pitchFamily="34" charset="-120"/>
                 <a:ea typeface="微軟正黑體" pitchFamily="34" charset="-120"/>
               </a:rPr>
-              <a:t>在於  在於你</a:t>
-            </a:r>
-            <a:endParaRPr lang="en-US" altLang="zh-TW" sz="5400" b="1" dirty="0" smtClean="0">
+              <a:t>我的盼望在於</a:t>
+            </a:r>
+            <a:r>
+              <a:rPr lang="zh-CN" altLang="en-US" sz="6400" b="1" dirty="0">
+                <a:solidFill>
+                  <a:srgbClr val="660033"/>
+                </a:solidFill>
+                <a:latin typeface="微軟正黑體" pitchFamily="34" charset="-120"/>
+                <a:ea typeface="微軟正黑體" pitchFamily="34" charset="-120"/>
+              </a:rPr>
+              <a:t>袮</a:t>
+            </a:r>
+            <a:endParaRPr lang="en-US" sz="6400" b="1" dirty="0">
               <a:solidFill>
                 <a:srgbClr val="660033"/>
               </a:solidFill>
@@ -3692,21 +3829,206 @@
               <a:ea typeface="微軟正黑體" pitchFamily="34" charset="-120"/>
             </a:endParaRPr>
           </a:p>
+        </p:txBody>
+      </p:sp>
+      <p:sp>
+        <p:nvSpPr>
+          <p:cNvPr id="3" name="TextBox 2"/>
+          <p:cNvSpPr txBox="1"/>
+          <p:nvPr/>
+        </p:nvSpPr>
+        <p:spPr>
+          <a:xfrm>
+            <a:off x="0" y="5157192"/>
+            <a:ext cx="12192000" cy="666786"/>
+          </a:xfrm>
+          <a:prstGeom prst="rect">
+            <a:avLst/>
+          </a:prstGeom>
+          <a:noFill/>
+        </p:spPr>
+        <p:txBody>
+          <a:bodyPr wrap="square" rtlCol="0">
+            <a:spAutoFit/>
+          </a:bodyPr>
+          <a:lstStyle/>
+          <a:p>
+            <a:pPr algn="ctr"/>
+            <a:r>
+              <a:rPr lang="en-US" sz="3733" b="1" dirty="0">
+                <a:solidFill>
+                  <a:srgbClr val="660033"/>
+                </a:solidFill>
+                <a:latin typeface="Microsoft JhengHei" panose="020B0604030504040204" pitchFamily="34" charset="-120"/>
+                <a:ea typeface="Microsoft JhengHei" panose="020B0604030504040204" pitchFamily="34" charset="-120"/>
+              </a:rPr>
+              <a:t>( </a:t>
+            </a:r>
+            <a:r>
+              <a:rPr lang="zh-CN" altLang="en-US" sz="3733" b="1" dirty="0">
+                <a:solidFill>
+                  <a:srgbClr val="660033"/>
+                </a:solidFill>
+                <a:latin typeface="Microsoft JhengHei" panose="020B0604030504040204" pitchFamily="34" charset="-120"/>
+                <a:ea typeface="Microsoft JhengHei" panose="020B0604030504040204" pitchFamily="34" charset="-120"/>
+              </a:rPr>
+              <a:t>副歌</a:t>
+            </a:r>
+            <a:r>
+              <a:rPr lang="en-US" sz="3733" b="1" dirty="0">
+                <a:solidFill>
+                  <a:srgbClr val="660033"/>
+                </a:solidFill>
+                <a:latin typeface="Microsoft JhengHei" panose="020B0604030504040204" pitchFamily="34" charset="-120"/>
+                <a:ea typeface="Microsoft JhengHei" panose="020B0604030504040204" pitchFamily="34" charset="-120"/>
+              </a:rPr>
+              <a:t> )</a:t>
+            </a:r>
+            <a:r>
+              <a:rPr lang="en-US" sz="3733" b="1" dirty="0">
+                <a:solidFill>
+                  <a:srgbClr val="000066"/>
+                </a:solidFill>
+                <a:latin typeface="Microsoft JhengHei" panose="020B0604030504040204" pitchFamily="34" charset="-120"/>
+                <a:ea typeface="Microsoft JhengHei" panose="020B0604030504040204" pitchFamily="34" charset="-120"/>
+              </a:rPr>
+              <a:t> </a:t>
+            </a:r>
+            <a:endParaRPr lang="vi-VN" sz="3733" b="1" dirty="0">
+              <a:solidFill>
+                <a:srgbClr val="660033"/>
+              </a:solidFill>
+              <a:ea typeface="Microsoft JhengHei" panose="020B0604030504040204" pitchFamily="34" charset="-120"/>
+            </a:endParaRPr>
+          </a:p>
+        </p:txBody>
+      </p:sp>
+    </p:spTree>
+    <p:extLst>
+      <p:ext uri="{BB962C8B-B14F-4D97-AF65-F5344CB8AC3E}">
+        <p14:creationId xmlns:p14="http://schemas.microsoft.com/office/powerpoint/2010/main" val="1704734076"/>
+      </p:ext>
+    </p:extLst>
+  </p:cSld>
+  <p:clrMapOvr>
+    <a:masterClrMapping/>
+  </p:clrMapOvr>
+</p:sld>
+</file>
+
+<file path=ppt/slides/slide5.xml><?xml version="1.0" encoding="utf-8"?>
+<p:sld xmlns:a="http://schemas.openxmlformats.org/drawingml/2006/main" xmlns:r="http://schemas.openxmlformats.org/officeDocument/2006/relationships" xmlns:p="http://schemas.openxmlformats.org/presentationml/2006/main">
+  <p:cSld>
+    <p:spTree>
+      <p:nvGrpSpPr>
+        <p:cNvPr id="1" name=""/>
+        <p:cNvGrpSpPr/>
+        <p:nvPr/>
+      </p:nvGrpSpPr>
+      <p:grpSpPr>
+        <a:xfrm>
+          <a:off x="0" y="0"/>
+          <a:ext cx="0" cy="0"/>
+          <a:chOff x="0" y="0"/>
+          <a:chExt cx="0" cy="0"/>
+        </a:xfrm>
+      </p:grpSpPr>
+      <p:sp>
+        <p:nvSpPr>
+          <p:cNvPr id="5" name="內容版面配置區 4"/>
+          <p:cNvSpPr>
+            <a:spLocks noGrp="1"/>
+          </p:cNvSpPr>
+          <p:nvPr>
+            <p:ph idx="1"/>
+          </p:nvPr>
+        </p:nvSpPr>
+        <p:spPr>
+          <a:xfrm>
+            <a:off x="0" y="2084851"/>
+            <a:ext cx="12192000" cy="2404863"/>
+          </a:xfrm>
+        </p:spPr>
+        <p:txBody>
+          <a:bodyPr anchor="ctr">
+            <a:normAutofit/>
+          </a:bodyPr>
+          <a:lstStyle/>
           <a:p>
             <a:pPr algn="ctr">
               <a:buNone/>
             </a:pPr>
             <a:r>
-              <a:rPr lang="zh-TW" altLang="en-US" sz="5400" b="1" dirty="0" smtClean="0">
+              <a:rPr lang="zh-TW" altLang="en-US" sz="6400" b="1" dirty="0">
                 <a:solidFill>
                   <a:srgbClr val="660033"/>
                 </a:solidFill>
                 <a:latin typeface="微軟正黑體" pitchFamily="34" charset="-120"/>
                 <a:ea typeface="微軟正黑體" pitchFamily="34" charset="-120"/>
               </a:rPr>
-              <a:t>在於  在於你</a:t>
-            </a:r>
-            <a:endParaRPr lang="en-US" sz="5400" b="1" dirty="0" smtClean="0">
+              <a:t>生命在於</a:t>
+            </a:r>
+            <a:r>
+              <a:rPr lang="zh-CN" altLang="en-US" sz="6400" b="1" dirty="0">
+                <a:solidFill>
+                  <a:srgbClr val="660033"/>
+                </a:solidFill>
+                <a:latin typeface="微軟正黑體" pitchFamily="34" charset="-120"/>
+                <a:ea typeface="微軟正黑體" pitchFamily="34" charset="-120"/>
+              </a:rPr>
+              <a:t>袮</a:t>
+            </a:r>
+            <a:r>
+              <a:rPr lang="zh-TW" altLang="en-US" sz="6400" b="1" dirty="0">
+                <a:solidFill>
+                  <a:srgbClr val="660033"/>
+                </a:solidFill>
+                <a:latin typeface="微軟正黑體" pitchFamily="34" charset="-120"/>
+                <a:ea typeface="微軟正黑體" pitchFamily="34" charset="-120"/>
+              </a:rPr>
+              <a:t>主</a:t>
+            </a:r>
+            <a:r>
+              <a:rPr lang="en-US" altLang="zh-TW" sz="6400" b="1" dirty="0">
+                <a:solidFill>
+                  <a:srgbClr val="660033"/>
+                </a:solidFill>
+                <a:latin typeface="微軟正黑體" pitchFamily="34" charset="-120"/>
+                <a:ea typeface="微軟正黑體" pitchFamily="34" charset="-120"/>
+              </a:rPr>
+              <a:t>  </a:t>
+            </a:r>
+            <a:r>
+              <a:rPr lang="zh-TW" altLang="en-US" sz="6400" b="1" dirty="0">
+                <a:solidFill>
+                  <a:srgbClr val="660033"/>
+                </a:solidFill>
+                <a:latin typeface="微軟正黑體" pitchFamily="34" charset="-120"/>
+                <a:ea typeface="微軟正黑體" pitchFamily="34" charset="-120"/>
+              </a:rPr>
+              <a:t>力量在於</a:t>
+            </a:r>
+            <a:r>
+              <a:rPr lang="zh-CN" altLang="en-US" sz="6400" b="1" dirty="0">
+                <a:solidFill>
+                  <a:srgbClr val="660033"/>
+                </a:solidFill>
+                <a:latin typeface="微軟正黑體" pitchFamily="34" charset="-120"/>
+                <a:ea typeface="微軟正黑體" pitchFamily="34" charset="-120"/>
+              </a:rPr>
+              <a:t>袮</a:t>
+            </a:r>
+            <a:r>
+              <a:rPr lang="zh-TW" altLang="en-US" sz="6400" b="1" dirty="0">
+                <a:solidFill>
+                  <a:srgbClr val="660033"/>
+                </a:solidFill>
+                <a:latin typeface="微軟正黑體" pitchFamily="34" charset="-120"/>
+                <a:ea typeface="微軟正黑體" pitchFamily="34" charset="-120"/>
+              </a:rPr>
+              <a:t>主</a:t>
+            </a:r>
+            <a:endParaRPr lang="en-US" altLang="zh-TW" sz="6400" b="1" dirty="0">
               <a:solidFill>
                 <a:srgbClr val="660033"/>
               </a:solidFill>
@@ -3714,9 +4036,377 @@
               <a:ea typeface="微軟正黑體" pitchFamily="34" charset="-120"/>
             </a:endParaRPr>
           </a:p>
+          <a:p>
+            <a:pPr algn="ctr">
+              <a:buNone/>
+            </a:pPr>
+            <a:r>
+              <a:rPr lang="zh-TW" altLang="en-US" sz="6400" b="1" dirty="0">
+                <a:solidFill>
+                  <a:srgbClr val="660033"/>
+                </a:solidFill>
+                <a:latin typeface="微軟正黑體" pitchFamily="34" charset="-120"/>
+                <a:ea typeface="微軟正黑體" pitchFamily="34" charset="-120"/>
+              </a:rPr>
+              <a:t>盼望在於</a:t>
+            </a:r>
+            <a:r>
+              <a:rPr lang="zh-CN" altLang="en-US" sz="6400" b="1" dirty="0">
+                <a:solidFill>
+                  <a:srgbClr val="660033"/>
+                </a:solidFill>
+                <a:latin typeface="微軟正黑體" pitchFamily="34" charset="-120"/>
+                <a:ea typeface="微軟正黑體" pitchFamily="34" charset="-120"/>
+              </a:rPr>
+              <a:t>袮</a:t>
+            </a:r>
+            <a:r>
+              <a:rPr lang="zh-TW" altLang="en-US" sz="6400" b="1" dirty="0">
+                <a:solidFill>
+                  <a:srgbClr val="660033"/>
+                </a:solidFill>
+                <a:latin typeface="微軟正黑體" pitchFamily="34" charset="-120"/>
+                <a:ea typeface="微軟正黑體" pitchFamily="34" charset="-120"/>
+              </a:rPr>
+              <a:t>主</a:t>
+            </a:r>
+            <a:r>
+              <a:rPr lang="en-US" altLang="zh-TW" sz="6400" b="1" dirty="0">
+                <a:solidFill>
+                  <a:srgbClr val="660033"/>
+                </a:solidFill>
+                <a:latin typeface="微軟正黑體" pitchFamily="34" charset="-120"/>
+                <a:ea typeface="微軟正黑體" pitchFamily="34" charset="-120"/>
+              </a:rPr>
+              <a:t>  </a:t>
+            </a:r>
+            <a:r>
+              <a:rPr lang="zh-TW" altLang="en-US" sz="6400" b="1" dirty="0">
+                <a:solidFill>
+                  <a:srgbClr val="660033"/>
+                </a:solidFill>
+                <a:latin typeface="微軟正黑體" pitchFamily="34" charset="-120"/>
+                <a:ea typeface="微軟正黑體" pitchFamily="34" charset="-120"/>
+              </a:rPr>
+              <a:t>在於  在於</a:t>
+            </a:r>
+            <a:r>
+              <a:rPr lang="zh-CN" altLang="en-US" sz="6400" b="1" dirty="0">
+                <a:solidFill>
+                  <a:srgbClr val="660033"/>
+                </a:solidFill>
+                <a:latin typeface="微軟正黑體" pitchFamily="34" charset="-120"/>
+                <a:ea typeface="微軟正黑體" pitchFamily="34" charset="-120"/>
+              </a:rPr>
+              <a:t>袮</a:t>
+            </a:r>
+            <a:endParaRPr lang="en-US" sz="6400" b="1" dirty="0">
+              <a:solidFill>
+                <a:srgbClr val="660033"/>
+              </a:solidFill>
+              <a:latin typeface="微軟正黑體" pitchFamily="34" charset="-120"/>
+              <a:ea typeface="微軟正黑體" pitchFamily="34" charset="-120"/>
+            </a:endParaRPr>
+          </a:p>
+        </p:txBody>
+      </p:sp>
+      <p:sp>
+        <p:nvSpPr>
+          <p:cNvPr id="3" name="TextBox 2"/>
+          <p:cNvSpPr txBox="1"/>
+          <p:nvPr/>
+        </p:nvSpPr>
+        <p:spPr>
+          <a:xfrm>
+            <a:off x="0" y="5157192"/>
+            <a:ext cx="12192000" cy="666786"/>
+          </a:xfrm>
+          <a:prstGeom prst="rect">
+            <a:avLst/>
+          </a:prstGeom>
+          <a:noFill/>
+        </p:spPr>
+        <p:txBody>
+          <a:bodyPr wrap="square" rtlCol="0">
+            <a:spAutoFit/>
+          </a:bodyPr>
+          <a:lstStyle/>
+          <a:p>
+            <a:pPr algn="ctr"/>
+            <a:r>
+              <a:rPr lang="en-US" sz="3733" b="1" dirty="0">
+                <a:solidFill>
+                  <a:srgbClr val="660033"/>
+                </a:solidFill>
+                <a:latin typeface="Microsoft JhengHei" panose="020B0604030504040204" pitchFamily="34" charset="-120"/>
+                <a:ea typeface="Microsoft JhengHei" panose="020B0604030504040204" pitchFamily="34" charset="-120"/>
+              </a:rPr>
+              <a:t>( </a:t>
+            </a:r>
+            <a:r>
+              <a:rPr lang="zh-CN" altLang="en-US" sz="3733" b="1" dirty="0">
+                <a:solidFill>
+                  <a:srgbClr val="660033"/>
+                </a:solidFill>
+                <a:latin typeface="Microsoft JhengHei" panose="020B0604030504040204" pitchFamily="34" charset="-120"/>
+                <a:ea typeface="Microsoft JhengHei" panose="020B0604030504040204" pitchFamily="34" charset="-120"/>
+              </a:rPr>
+              <a:t>正歌</a:t>
+            </a:r>
+            <a:r>
+              <a:rPr lang="en-US" sz="3733" b="1" dirty="0">
+                <a:solidFill>
+                  <a:srgbClr val="660033"/>
+                </a:solidFill>
+                <a:latin typeface="Microsoft JhengHei" panose="020B0604030504040204" pitchFamily="34" charset="-120"/>
+                <a:ea typeface="Microsoft JhengHei" panose="020B0604030504040204" pitchFamily="34" charset="-120"/>
+              </a:rPr>
+              <a:t> )</a:t>
+            </a:r>
+            <a:r>
+              <a:rPr lang="en-US" sz="3733" b="1" dirty="0">
+                <a:solidFill>
+                  <a:srgbClr val="000066"/>
+                </a:solidFill>
+                <a:latin typeface="Microsoft JhengHei" panose="020B0604030504040204" pitchFamily="34" charset="-120"/>
+                <a:ea typeface="Microsoft JhengHei" panose="020B0604030504040204" pitchFamily="34" charset="-120"/>
+              </a:rPr>
+              <a:t> </a:t>
+            </a:r>
+            <a:r>
+              <a:rPr lang="en-US" sz="3733" b="1" dirty="0">
+                <a:solidFill>
+                  <a:srgbClr val="660033"/>
+                </a:solidFill>
+                <a:latin typeface="Microsoft JhengHei" panose="020B0604030504040204" pitchFamily="34" charset="-120"/>
+                <a:ea typeface="Microsoft JhengHei" panose="020B0604030504040204" pitchFamily="34" charset="-120"/>
+              </a:rPr>
+              <a:t>( 2 </a:t>
+            </a:r>
+            <a:r>
+              <a:rPr lang="zh-CN" altLang="en-US" sz="3733" b="1" dirty="0">
+                <a:solidFill>
+                  <a:srgbClr val="660033"/>
+                </a:solidFill>
+                <a:latin typeface="Microsoft JhengHei" panose="020B0604030504040204" pitchFamily="34" charset="-120"/>
+                <a:ea typeface="Microsoft JhengHei" panose="020B0604030504040204" pitchFamily="34" charset="-120"/>
+              </a:rPr>
+              <a:t>次 </a:t>
+            </a:r>
+            <a:r>
+              <a:rPr lang="en-US" sz="3733" b="1" dirty="0">
+                <a:solidFill>
+                  <a:srgbClr val="660033"/>
+                </a:solidFill>
+                <a:latin typeface="Microsoft JhengHei" panose="020B0604030504040204" pitchFamily="34" charset="-120"/>
+                <a:ea typeface="Microsoft JhengHei" panose="020B0604030504040204" pitchFamily="34" charset="-120"/>
+              </a:rPr>
+              <a:t>)</a:t>
+            </a:r>
+            <a:endParaRPr lang="vi-VN" sz="3733" b="1" dirty="0">
+              <a:solidFill>
+                <a:srgbClr val="660033"/>
+              </a:solidFill>
+              <a:ea typeface="Microsoft JhengHei" panose="020B0604030504040204" pitchFamily="34" charset="-120"/>
+            </a:endParaRPr>
+          </a:p>
         </p:txBody>
       </p:sp>
     </p:spTree>
+    <p:extLst>
+      <p:ext uri="{BB962C8B-B14F-4D97-AF65-F5344CB8AC3E}">
+        <p14:creationId xmlns:p14="http://schemas.microsoft.com/office/powerpoint/2010/main" val="3587862429"/>
+      </p:ext>
+    </p:extLst>
+  </p:cSld>
+  <p:clrMapOvr>
+    <a:masterClrMapping/>
+  </p:clrMapOvr>
+</p:sld>
+</file>
+
+<file path=ppt/slides/slide6.xml><?xml version="1.0" encoding="utf-8"?>
+<p:sld xmlns:a="http://schemas.openxmlformats.org/drawingml/2006/main" xmlns:r="http://schemas.openxmlformats.org/officeDocument/2006/relationships" xmlns:p="http://schemas.openxmlformats.org/presentationml/2006/main">
+  <p:cSld>
+    <p:spTree>
+      <p:nvGrpSpPr>
+        <p:cNvPr id="1" name=""/>
+        <p:cNvGrpSpPr/>
+        <p:nvPr/>
+      </p:nvGrpSpPr>
+      <p:grpSpPr>
+        <a:xfrm>
+          <a:off x="0" y="0"/>
+          <a:ext cx="0" cy="0"/>
+          <a:chOff x="0" y="0"/>
+          <a:chExt cx="0" cy="0"/>
+        </a:xfrm>
+      </p:grpSpPr>
+      <p:sp>
+        <p:nvSpPr>
+          <p:cNvPr id="5" name="內容版面配置區 4"/>
+          <p:cNvSpPr>
+            <a:spLocks noGrp="1"/>
+          </p:cNvSpPr>
+          <p:nvPr>
+            <p:ph idx="1"/>
+          </p:nvPr>
+        </p:nvSpPr>
+        <p:spPr>
+          <a:xfrm>
+            <a:off x="0" y="2084851"/>
+            <a:ext cx="12192000" cy="2404863"/>
+          </a:xfrm>
+        </p:spPr>
+        <p:txBody>
+          <a:bodyPr anchor="ctr">
+            <a:normAutofit/>
+          </a:bodyPr>
+          <a:lstStyle/>
+          <a:p>
+            <a:pPr algn="ctr">
+              <a:buNone/>
+            </a:pPr>
+            <a:r>
+              <a:rPr lang="zh-TW" altLang="en-US" sz="6400" b="1" dirty="0">
+                <a:solidFill>
+                  <a:srgbClr val="660033"/>
+                </a:solidFill>
+                <a:latin typeface="微軟正黑體" pitchFamily="34" charset="-120"/>
+                <a:ea typeface="微軟正黑體" pitchFamily="34" charset="-120"/>
+              </a:rPr>
+              <a:t>在於  在於</a:t>
+            </a:r>
+            <a:r>
+              <a:rPr lang="zh-CN" altLang="en-US" sz="6400" b="1" dirty="0">
+                <a:solidFill>
+                  <a:srgbClr val="660033"/>
+                </a:solidFill>
+                <a:latin typeface="微軟正黑體" pitchFamily="34" charset="-120"/>
+                <a:ea typeface="微軟正黑體" pitchFamily="34" charset="-120"/>
+              </a:rPr>
+              <a:t>袮</a:t>
+            </a:r>
+            <a:endParaRPr lang="en-US" altLang="zh-CN" sz="6400" b="1" dirty="0">
+              <a:solidFill>
+                <a:srgbClr val="660033"/>
+              </a:solidFill>
+              <a:latin typeface="微軟正黑體" pitchFamily="34" charset="-120"/>
+              <a:ea typeface="微軟正黑體" pitchFamily="34" charset="-120"/>
+            </a:endParaRPr>
+          </a:p>
+          <a:p>
+            <a:pPr algn="ctr">
+              <a:buNone/>
+            </a:pPr>
+            <a:r>
+              <a:rPr lang="zh-TW" altLang="en-US" sz="6400" b="1" dirty="0">
+                <a:solidFill>
+                  <a:srgbClr val="660033"/>
+                </a:solidFill>
+                <a:latin typeface="微軟正黑體" pitchFamily="34" charset="-120"/>
+                <a:ea typeface="微軟正黑體" pitchFamily="34" charset="-120"/>
+              </a:rPr>
+              <a:t>在於  在於</a:t>
+            </a:r>
+            <a:r>
+              <a:rPr lang="zh-CN" altLang="en-US" sz="6400" b="1" dirty="0">
+                <a:solidFill>
+                  <a:srgbClr val="660033"/>
+                </a:solidFill>
+                <a:latin typeface="微軟正黑體" pitchFamily="34" charset="-120"/>
+                <a:ea typeface="微軟正黑體" pitchFamily="34" charset="-120"/>
+              </a:rPr>
+              <a:t>袮</a:t>
+            </a:r>
+            <a:endParaRPr lang="en-US" sz="6400" b="1" dirty="0">
+              <a:solidFill>
+                <a:srgbClr val="660033"/>
+              </a:solidFill>
+              <a:latin typeface="微軟正黑體" pitchFamily="34" charset="-120"/>
+              <a:ea typeface="微軟正黑體" pitchFamily="34" charset="-120"/>
+            </a:endParaRPr>
+          </a:p>
+        </p:txBody>
+      </p:sp>
+      <p:sp>
+        <p:nvSpPr>
+          <p:cNvPr id="3" name="TextBox 2"/>
+          <p:cNvSpPr txBox="1"/>
+          <p:nvPr/>
+        </p:nvSpPr>
+        <p:spPr>
+          <a:xfrm>
+            <a:off x="0" y="5157192"/>
+            <a:ext cx="12192000" cy="666786"/>
+          </a:xfrm>
+          <a:prstGeom prst="rect">
+            <a:avLst/>
+          </a:prstGeom>
+          <a:noFill/>
+        </p:spPr>
+        <p:txBody>
+          <a:bodyPr wrap="square" rtlCol="0">
+            <a:spAutoFit/>
+          </a:bodyPr>
+          <a:lstStyle/>
+          <a:p>
+            <a:pPr algn="ctr"/>
+            <a:r>
+              <a:rPr lang="en-US" sz="3733" b="1" dirty="0">
+                <a:solidFill>
+                  <a:srgbClr val="660033"/>
+                </a:solidFill>
+                <a:latin typeface="Microsoft JhengHei" panose="020B0604030504040204" pitchFamily="34" charset="-120"/>
+                <a:ea typeface="Microsoft JhengHei" panose="020B0604030504040204" pitchFamily="34" charset="-120"/>
+              </a:rPr>
+              <a:t>( </a:t>
+            </a:r>
+            <a:r>
+              <a:rPr lang="zh-CN" altLang="en-US" sz="3733" b="1" dirty="0">
+                <a:solidFill>
+                  <a:srgbClr val="660033"/>
+                </a:solidFill>
+                <a:latin typeface="Microsoft JhengHei" panose="020B0604030504040204" pitchFamily="34" charset="-120"/>
+                <a:ea typeface="Microsoft JhengHei" panose="020B0604030504040204" pitchFamily="34" charset="-120"/>
+              </a:rPr>
+              <a:t>結束</a:t>
+            </a:r>
+            <a:r>
+              <a:rPr lang="en-US" sz="3733" b="1" dirty="0">
+                <a:solidFill>
+                  <a:srgbClr val="660033"/>
+                </a:solidFill>
+                <a:latin typeface="Microsoft JhengHei" panose="020B0604030504040204" pitchFamily="34" charset="-120"/>
+                <a:ea typeface="Microsoft JhengHei" panose="020B0604030504040204" pitchFamily="34" charset="-120"/>
+              </a:rPr>
+              <a:t> )</a:t>
+            </a:r>
+            <a:r>
+              <a:rPr lang="en-US" sz="3733" b="1" dirty="0">
+                <a:solidFill>
+                  <a:srgbClr val="000066"/>
+                </a:solidFill>
+                <a:latin typeface="Microsoft JhengHei" panose="020B0604030504040204" pitchFamily="34" charset="-120"/>
+                <a:ea typeface="Microsoft JhengHei" panose="020B0604030504040204" pitchFamily="34" charset="-120"/>
+              </a:rPr>
+              <a:t> </a:t>
+            </a:r>
+            <a:endParaRPr lang="vi-VN" sz="3733" b="1" dirty="0">
+              <a:solidFill>
+                <a:srgbClr val="660033"/>
+              </a:solidFill>
+              <a:ea typeface="Microsoft JhengHei" panose="020B0604030504040204" pitchFamily="34" charset="-120"/>
+            </a:endParaRPr>
+          </a:p>
+        </p:txBody>
+      </p:sp>
+    </p:spTree>
+    <p:extLst>
+      <p:ext uri="{BB962C8B-B14F-4D97-AF65-F5344CB8AC3E}">
+        <p14:creationId xmlns:p14="http://schemas.microsoft.com/office/powerpoint/2010/main" val="1725379768"/>
+      </p:ext>
+    </p:extLst>
   </p:cSld>
   <p:clrMapOvr>
     <a:masterClrMapping/>

--- a/生命在於你.pptx
+++ b/生命在於你.pptx
@@ -310,7 +310,7 @@
             <a:fld id="{3B6F1495-393D-4C5F-8CA3-E392AC1A89A7}" type="datetimeFigureOut">
               <a:rPr lang="en-US" smtClean="0"/>
               <a:pPr/>
-              <a:t>2/18/2023</a:t>
+              <a:t>7/15/2023</a:t>
             </a:fld>
             <a:endParaRPr lang="en-US"/>
           </a:p>
@@ -477,7 +477,7 @@
             <a:fld id="{3B6F1495-393D-4C5F-8CA3-E392AC1A89A7}" type="datetimeFigureOut">
               <a:rPr lang="en-US" smtClean="0"/>
               <a:pPr/>
-              <a:t>2/18/2023</a:t>
+              <a:t>7/15/2023</a:t>
             </a:fld>
             <a:endParaRPr lang="en-US"/>
           </a:p>
@@ -654,7 +654,7 @@
             <a:fld id="{3B6F1495-393D-4C5F-8CA3-E392AC1A89A7}" type="datetimeFigureOut">
               <a:rPr lang="en-US" smtClean="0"/>
               <a:pPr/>
-              <a:t>2/18/2023</a:t>
+              <a:t>7/15/2023</a:t>
             </a:fld>
             <a:endParaRPr lang="en-US"/>
           </a:p>
@@ -821,7 +821,7 @@
             <a:fld id="{3B6F1495-393D-4C5F-8CA3-E392AC1A89A7}" type="datetimeFigureOut">
               <a:rPr lang="en-US" smtClean="0"/>
               <a:pPr/>
-              <a:t>2/18/2023</a:t>
+              <a:t>7/15/2023</a:t>
             </a:fld>
             <a:endParaRPr lang="en-US"/>
           </a:p>
@@ -1064,7 +1064,7 @@
             <a:fld id="{3B6F1495-393D-4C5F-8CA3-E392AC1A89A7}" type="datetimeFigureOut">
               <a:rPr lang="en-US" smtClean="0"/>
               <a:pPr/>
-              <a:t>2/18/2023</a:t>
+              <a:t>7/15/2023</a:t>
             </a:fld>
             <a:endParaRPr lang="en-US"/>
           </a:p>
@@ -1349,7 +1349,7 @@
             <a:fld id="{3B6F1495-393D-4C5F-8CA3-E392AC1A89A7}" type="datetimeFigureOut">
               <a:rPr lang="en-US" smtClean="0"/>
               <a:pPr/>
-              <a:t>2/18/2023</a:t>
+              <a:t>7/15/2023</a:t>
             </a:fld>
             <a:endParaRPr lang="en-US"/>
           </a:p>
@@ -1768,7 +1768,7 @@
             <a:fld id="{3B6F1495-393D-4C5F-8CA3-E392AC1A89A7}" type="datetimeFigureOut">
               <a:rPr lang="en-US" smtClean="0"/>
               <a:pPr/>
-              <a:t>2/18/2023</a:t>
+              <a:t>7/15/2023</a:t>
             </a:fld>
             <a:endParaRPr lang="en-US"/>
           </a:p>
@@ -1883,7 +1883,7 @@
             <a:fld id="{3B6F1495-393D-4C5F-8CA3-E392AC1A89A7}" type="datetimeFigureOut">
               <a:rPr lang="en-US" smtClean="0"/>
               <a:pPr/>
-              <a:t>2/18/2023</a:t>
+              <a:t>7/15/2023</a:t>
             </a:fld>
             <a:endParaRPr lang="en-US"/>
           </a:p>
@@ -1975,7 +1975,7 @@
             <a:fld id="{3B6F1495-393D-4C5F-8CA3-E392AC1A89A7}" type="datetimeFigureOut">
               <a:rPr lang="en-US" smtClean="0"/>
               <a:pPr/>
-              <a:t>2/18/2023</a:t>
+              <a:t>7/15/2023</a:t>
             </a:fld>
             <a:endParaRPr lang="en-US"/>
           </a:p>
@@ -2249,7 +2249,7 @@
             <a:fld id="{3B6F1495-393D-4C5F-8CA3-E392AC1A89A7}" type="datetimeFigureOut">
               <a:rPr lang="en-US" smtClean="0"/>
               <a:pPr/>
-              <a:t>2/18/2023</a:t>
+              <a:t>7/15/2023</a:t>
             </a:fld>
             <a:endParaRPr lang="en-US"/>
           </a:p>
@@ -2503,7 +2503,7 @@
             <a:fld id="{3B6F1495-393D-4C5F-8CA3-E392AC1A89A7}" type="datetimeFigureOut">
               <a:rPr lang="en-US" smtClean="0"/>
               <a:pPr/>
-              <a:t>2/18/2023</a:t>
+              <a:t>7/15/2023</a:t>
             </a:fld>
             <a:endParaRPr lang="en-US"/>
           </a:p>
@@ -2718,7 +2718,7 @@
             <a:fld id="{3B6F1495-393D-4C5F-8CA3-E392AC1A89A7}" type="datetimeFigureOut">
               <a:rPr lang="en-US" smtClean="0"/>
               <a:pPr/>
-              <a:t>2/18/2023</a:t>
+              <a:t>7/15/2023</a:t>
             </a:fld>
             <a:endParaRPr lang="en-US"/>
           </a:p>
@@ -3126,10 +3126,10 @@
                 <a:latin typeface="微軟正黑體" pitchFamily="34" charset="-120"/>
                 <a:ea typeface="微軟正黑體" pitchFamily="34" charset="-120"/>
               </a:rPr>
-              <a:t>生</a:t>
-            </a:r>
-            <a:r>
-              <a:rPr lang="zh-TW" altLang="en-US" sz="7200" b="1" i="1" dirty="0">
+              <a:t>生命在</a:t>
+            </a:r>
+            <a:r>
+              <a:rPr lang="zh-TW" altLang="en-US" sz="7200" b="1" i="1" dirty="0" smtClean="0">
                 <a:solidFill>
                   <a:srgbClr val="660033"/>
                 </a:solidFill>
@@ -3143,10 +3143,10 @@
                 <a:latin typeface="微軟正黑體" pitchFamily="34" charset="-120"/>
                 <a:ea typeface="微軟正黑體" pitchFamily="34" charset="-120"/>
               </a:rPr>
-              <a:t>命在</a:t>
-            </a:r>
-            <a:r>
-              <a:rPr lang="zh-TW" altLang="en-US" sz="7200" b="1" i="1" dirty="0">
+              <a:t>於</a:t>
+            </a:r>
+            <a:r>
+              <a:rPr lang="zh-CN" altLang="en-US" sz="7200" b="1" i="1" dirty="0" smtClean="0">
                 <a:solidFill>
                   <a:srgbClr val="660033"/>
                 </a:solidFill>
@@ -3160,24 +3160,7 @@
                 <a:latin typeface="微軟正黑體" pitchFamily="34" charset="-120"/>
                 <a:ea typeface="微軟正黑體" pitchFamily="34" charset="-120"/>
               </a:rPr>
-              <a:t>於</a:t>
-            </a:r>
-            <a:r>
-              <a:rPr lang="zh-CN" altLang="en-US" sz="7200" b="1" i="1" dirty="0">
-                <a:solidFill>
-                  <a:srgbClr val="660033"/>
-                </a:solidFill>
-                <a:effectLst>
-                  <a:outerShdw blurRad="38100" dist="38100" dir="2700000" algn="tl">
-                    <a:srgbClr val="000000">
-                      <a:alpha val="43137"/>
-                    </a:srgbClr>
-                  </a:outerShdw>
-                </a:effectLst>
-                <a:latin typeface="微軟正黑體" pitchFamily="34" charset="-120"/>
-                <a:ea typeface="微軟正黑體" pitchFamily="34" charset="-120"/>
-              </a:rPr>
-              <a:t>袮</a:t>
+              <a:t>祢</a:t>
             </a:r>
             <a:endParaRPr lang="zh-TW" altLang="en-US" sz="7200" b="1" i="1" dirty="0">
               <a:solidFill>
@@ -3259,7 +3242,17 @@
                 <a:latin typeface="微軟正黑體" pitchFamily="34" charset="-120"/>
                 <a:ea typeface="微軟正黑體" pitchFamily="34" charset="-120"/>
               </a:rPr>
-              <a:t>生命在於</a:t>
+              <a:t>生命在</a:t>
+            </a:r>
+            <a:r>
+              <a:rPr lang="zh-TW" altLang="en-US" sz="6400" b="1" dirty="0">
+                <a:solidFill>
+                  <a:srgbClr val="660033"/>
+                </a:solidFill>
+                <a:latin typeface="微軟正黑體" pitchFamily="34" charset="-120"/>
+                <a:ea typeface="微軟正黑體" pitchFamily="34" charset="-120"/>
+              </a:rPr>
+              <a:t>於</a:t>
             </a:r>
             <a:r>
               <a:rPr lang="zh-CN" altLang="en-US" sz="6400" b="1" dirty="0">
@@ -3269,7 +3262,7 @@
                 <a:latin typeface="微軟正黑體" pitchFamily="34" charset="-120"/>
                 <a:ea typeface="微軟正黑體" pitchFamily="34" charset="-120"/>
               </a:rPr>
-              <a:t>袮</a:t>
+              <a:t>祢</a:t>
             </a:r>
             <a:r>
               <a:rPr lang="zh-TW" altLang="en-US" sz="6400" b="1" dirty="0">
@@ -3299,7 +3292,27 @@
                 <a:latin typeface="微軟正黑體" pitchFamily="34" charset="-120"/>
                 <a:ea typeface="微軟正黑體" pitchFamily="34" charset="-120"/>
               </a:rPr>
-              <a:t>力量在於</a:t>
+              <a:t>力量</a:t>
+            </a:r>
+            <a:r>
+              <a:rPr lang="zh-TW" altLang="en-US" sz="6400" b="1" dirty="0">
+                <a:solidFill>
+                  <a:srgbClr val="660033"/>
+                </a:solidFill>
+                <a:latin typeface="微軟正黑體" pitchFamily="34" charset="-120"/>
+                <a:ea typeface="微軟正黑體" pitchFamily="34" charset="-120"/>
+              </a:rPr>
+              <a:t>在</a:t>
+            </a:r>
+            <a:r>
+              <a:rPr lang="zh-TW" altLang="en-US" sz="6400" b="1" dirty="0" smtClean="0">
+                <a:solidFill>
+                  <a:srgbClr val="660033"/>
+                </a:solidFill>
+                <a:latin typeface="微軟正黑體" pitchFamily="34" charset="-120"/>
+                <a:ea typeface="微軟正黑體" pitchFamily="34" charset="-120"/>
+              </a:rPr>
+              <a:t>於</a:t>
             </a:r>
             <a:r>
               <a:rPr lang="zh-CN" altLang="en-US" sz="6400" b="1" dirty="0">
@@ -3309,10 +3322,10 @@
                 <a:latin typeface="微軟正黑體" pitchFamily="34" charset="-120"/>
                 <a:ea typeface="微軟正黑體" pitchFamily="34" charset="-120"/>
               </a:rPr>
-              <a:t>袮</a:t>
-            </a:r>
-            <a:r>
-              <a:rPr lang="zh-TW" altLang="en-US" sz="6400" b="1" dirty="0">
+              <a:t>祢</a:t>
+            </a:r>
+            <a:r>
+              <a:rPr lang="zh-TW" altLang="en-US" sz="6400" b="1" dirty="0" smtClean="0">
                 <a:solidFill>
                   <a:srgbClr val="660033"/>
                 </a:solidFill>
@@ -3341,7 +3354,17 @@
                 <a:latin typeface="微軟正黑體" pitchFamily="34" charset="-120"/>
                 <a:ea typeface="微軟正黑體" pitchFamily="34" charset="-120"/>
               </a:rPr>
-              <a:t>盼望在於</a:t>
+              <a:t>盼望在</a:t>
+            </a:r>
+            <a:r>
+              <a:rPr lang="zh-TW" altLang="en-US" sz="6400" b="1" dirty="0" smtClean="0">
+                <a:solidFill>
+                  <a:srgbClr val="660033"/>
+                </a:solidFill>
+                <a:latin typeface="微軟正黑體" pitchFamily="34" charset="-120"/>
+                <a:ea typeface="微軟正黑體" pitchFamily="34" charset="-120"/>
+              </a:rPr>
+              <a:t>於</a:t>
             </a:r>
             <a:r>
               <a:rPr lang="zh-CN" altLang="en-US" sz="6400" b="1" dirty="0">
@@ -3351,7 +3374,27 @@
                 <a:latin typeface="微軟正黑體" pitchFamily="34" charset="-120"/>
                 <a:ea typeface="微軟正黑體" pitchFamily="34" charset="-120"/>
               </a:rPr>
-              <a:t>袮</a:t>
+              <a:t>祢</a:t>
+            </a:r>
+            <a:r>
+              <a:rPr lang="zh-TW" altLang="en-US" sz="6400" b="1" dirty="0" smtClean="0">
+                <a:solidFill>
+                  <a:srgbClr val="660033"/>
+                </a:solidFill>
+                <a:latin typeface="微軟正黑體" pitchFamily="34" charset="-120"/>
+                <a:ea typeface="微軟正黑體" pitchFamily="34" charset="-120"/>
+              </a:rPr>
+              <a:t>主</a:t>
+            </a:r>
+            <a:r>
+              <a:rPr lang="en-US" altLang="zh-TW" sz="6400" b="1" dirty="0" smtClean="0">
+                <a:solidFill>
+                  <a:srgbClr val="660033"/>
+                </a:solidFill>
+                <a:latin typeface="微軟正黑體" pitchFamily="34" charset="-120"/>
+                <a:ea typeface="微軟正黑體" pitchFamily="34" charset="-120"/>
+              </a:rPr>
+              <a:t>  </a:t>
             </a:r>
             <a:r>
               <a:rPr lang="zh-TW" altLang="en-US" sz="6400" b="1" dirty="0">
@@ -3361,27 +3404,17 @@
                 <a:latin typeface="微軟正黑體" pitchFamily="34" charset="-120"/>
                 <a:ea typeface="微軟正黑體" pitchFamily="34" charset="-120"/>
               </a:rPr>
-              <a:t>主</a:t>
-            </a:r>
-            <a:r>
-              <a:rPr lang="en-US" altLang="zh-TW" sz="6400" b="1" dirty="0">
-                <a:solidFill>
-                  <a:srgbClr val="660033"/>
-                </a:solidFill>
-                <a:latin typeface="微軟正黑體" pitchFamily="34" charset="-120"/>
-                <a:ea typeface="微軟正黑體" pitchFamily="34" charset="-120"/>
-              </a:rPr>
-              <a:t>  </a:t>
-            </a:r>
-            <a:r>
-              <a:rPr lang="zh-TW" altLang="en-US" sz="6400" b="1" dirty="0">
-                <a:solidFill>
-                  <a:srgbClr val="660033"/>
-                </a:solidFill>
-                <a:latin typeface="微軟正黑體" pitchFamily="34" charset="-120"/>
-                <a:ea typeface="微軟正黑體" pitchFamily="34" charset="-120"/>
-              </a:rPr>
-              <a:t>在於  在於</a:t>
+              <a:t>在於  在</a:t>
+            </a:r>
+            <a:r>
+              <a:rPr lang="zh-TW" altLang="en-US" sz="6400" b="1" dirty="0" smtClean="0">
+                <a:solidFill>
+                  <a:srgbClr val="660033"/>
+                </a:solidFill>
+                <a:latin typeface="微軟正黑體" pitchFamily="34" charset="-120"/>
+                <a:ea typeface="微軟正黑體" pitchFamily="34" charset="-120"/>
+              </a:rPr>
+              <a:t>於</a:t>
             </a:r>
             <a:r>
               <a:rPr lang="zh-CN" altLang="en-US" sz="6400" b="1" dirty="0">
@@ -3391,7 +3424,7 @@
                 <a:latin typeface="微軟正黑體" pitchFamily="34" charset="-120"/>
                 <a:ea typeface="微軟正黑體" pitchFamily="34" charset="-120"/>
               </a:rPr>
-              <a:t>袮</a:t>
+              <a:t>祢</a:t>
             </a:r>
             <a:endParaRPr lang="en-US" sz="6400" b="1" dirty="0">
               <a:solidFill>
@@ -3568,7 +3601,17 @@
                 <a:latin typeface="微軟正黑體" pitchFamily="34" charset="-120"/>
                 <a:ea typeface="微軟正黑體" pitchFamily="34" charset="-120"/>
               </a:rPr>
-              <a:t>我要以生命來讚美</a:t>
+              <a:t>我要以生命來讚</a:t>
+            </a:r>
+            <a:r>
+              <a:rPr lang="zh-TW" altLang="en-US" sz="6400" b="1" dirty="0" smtClean="0">
+                <a:solidFill>
+                  <a:srgbClr val="660033"/>
+                </a:solidFill>
+                <a:latin typeface="微軟正黑體" pitchFamily="34" charset="-120"/>
+                <a:ea typeface="微軟正黑體" pitchFamily="34" charset="-120"/>
+              </a:rPr>
+              <a:t>美</a:t>
             </a:r>
             <a:r>
               <a:rPr lang="zh-CN" altLang="en-US" sz="6400" b="1" dirty="0">
@@ -3578,7 +3621,7 @@
                 <a:latin typeface="微軟正黑體" pitchFamily="34" charset="-120"/>
                 <a:ea typeface="微軟正黑體" pitchFamily="34" charset="-120"/>
               </a:rPr>
-              <a:t>袮</a:t>
+              <a:t>祢</a:t>
             </a:r>
             <a:endParaRPr lang="en-US" altLang="zh-TW" sz="6400" b="1" dirty="0">
               <a:solidFill>
@@ -3600,7 +3643,17 @@
                 <a:latin typeface="微軟正黑體" pitchFamily="34" charset="-120"/>
                 <a:ea typeface="微軟正黑體" pitchFamily="34" charset="-120"/>
               </a:rPr>
-              <a:t>我要盡全力來讚美</a:t>
+              <a:t>我要盡全力來讚</a:t>
+            </a:r>
+            <a:r>
+              <a:rPr lang="zh-TW" altLang="en-US" sz="6400" b="1" dirty="0" smtClean="0">
+                <a:solidFill>
+                  <a:srgbClr val="660033"/>
+                </a:solidFill>
+                <a:latin typeface="微軟正黑體" pitchFamily="34" charset="-120"/>
+                <a:ea typeface="微軟正黑體" pitchFamily="34" charset="-120"/>
+              </a:rPr>
+              <a:t>美</a:t>
             </a:r>
             <a:r>
               <a:rPr lang="zh-CN" altLang="en-US" sz="6400" b="1" dirty="0">
@@ -3610,7 +3663,7 @@
                 <a:latin typeface="微軟正黑體" pitchFamily="34" charset="-120"/>
                 <a:ea typeface="微軟正黑體" pitchFamily="34" charset="-120"/>
               </a:rPr>
-              <a:t>袮</a:t>
+              <a:t>祢</a:t>
             </a:r>
             <a:endParaRPr lang="en-US" altLang="zh-TW" sz="6400" b="1" dirty="0">
               <a:solidFill>
@@ -3757,7 +3810,57 @@
                 <a:latin typeface="微軟正黑體" pitchFamily="34" charset="-120"/>
                 <a:ea typeface="微軟正黑體" pitchFamily="34" charset="-120"/>
               </a:rPr>
-              <a:t>全心讚美</a:t>
+              <a:t>全心讚</a:t>
+            </a:r>
+            <a:r>
+              <a:rPr lang="zh-TW" altLang="en-US" sz="6400" b="1" dirty="0" smtClean="0">
+                <a:solidFill>
+                  <a:srgbClr val="660033"/>
+                </a:solidFill>
+                <a:latin typeface="微軟正黑體" pitchFamily="34" charset="-120"/>
+                <a:ea typeface="微軟正黑體" pitchFamily="34" charset="-120"/>
+              </a:rPr>
+              <a:t>美</a:t>
+            </a:r>
+            <a:r>
+              <a:rPr lang="zh-CN" altLang="en-US" sz="6400" b="1" dirty="0" smtClean="0">
+                <a:solidFill>
+                  <a:srgbClr val="660033"/>
+                </a:solidFill>
+                <a:latin typeface="微軟正黑體" pitchFamily="34" charset="-120"/>
+                <a:ea typeface="微軟正黑體" pitchFamily="34" charset="-120"/>
+              </a:rPr>
+              <a:t>祢  </a:t>
+            </a:r>
+            <a:r>
+              <a:rPr lang="zh-TW" altLang="en-US" sz="6400" b="1" dirty="0" smtClean="0">
+                <a:solidFill>
+                  <a:srgbClr val="660033"/>
+                </a:solidFill>
+                <a:latin typeface="微軟正黑體" pitchFamily="34" charset="-120"/>
+                <a:ea typeface="微軟正黑體" pitchFamily="34" charset="-120"/>
+              </a:rPr>
+              <a:t>全</a:t>
+            </a:r>
+            <a:r>
+              <a:rPr lang="zh-TW" altLang="en-US" sz="6400" b="1" dirty="0">
+                <a:solidFill>
+                  <a:srgbClr val="660033"/>
+                </a:solidFill>
+                <a:latin typeface="微軟正黑體" pitchFamily="34" charset="-120"/>
+                <a:ea typeface="微軟正黑體" pitchFamily="34" charset="-120"/>
+              </a:rPr>
+              <a:t>力讚</a:t>
+            </a:r>
+            <a:r>
+              <a:rPr lang="zh-TW" altLang="en-US" sz="6400" b="1" dirty="0" smtClean="0">
+                <a:solidFill>
+                  <a:srgbClr val="660033"/>
+                </a:solidFill>
+                <a:latin typeface="微軟正黑體" pitchFamily="34" charset="-120"/>
+                <a:ea typeface="微軟正黑體" pitchFamily="34" charset="-120"/>
+              </a:rPr>
+              <a:t>美</a:t>
             </a:r>
             <a:r>
               <a:rPr lang="zh-CN" altLang="en-US" sz="6400" b="1" dirty="0">
@@ -3767,27 +3870,7 @@
                 <a:latin typeface="微軟正黑體" pitchFamily="34" charset="-120"/>
                 <a:ea typeface="微軟正黑體" pitchFamily="34" charset="-120"/>
               </a:rPr>
-              <a:t>袮  </a:t>
-            </a:r>
-            <a:r>
-              <a:rPr lang="zh-TW" altLang="en-US" sz="6400" b="1" dirty="0">
-                <a:solidFill>
-                  <a:srgbClr val="660033"/>
-                </a:solidFill>
-                <a:latin typeface="微軟正黑體" pitchFamily="34" charset="-120"/>
-                <a:ea typeface="微軟正黑體" pitchFamily="34" charset="-120"/>
-              </a:rPr>
-              <a:t>全力讚美</a:t>
-            </a:r>
-            <a:r>
-              <a:rPr lang="zh-CN" altLang="en-US" sz="6400" b="1" dirty="0">
-                <a:solidFill>
-                  <a:srgbClr val="660033"/>
-                </a:solidFill>
-                <a:latin typeface="微軟正黑體" pitchFamily="34" charset="-120"/>
-                <a:ea typeface="微軟正黑體" pitchFamily="34" charset="-120"/>
-              </a:rPr>
-              <a:t>袮</a:t>
+              <a:t>祢</a:t>
             </a:r>
             <a:endParaRPr lang="en-US" altLang="zh-TW" sz="6400" b="1" dirty="0">
               <a:solidFill>
@@ -3809,7 +3892,17 @@
                 <a:latin typeface="微軟正黑體" pitchFamily="34" charset="-120"/>
                 <a:ea typeface="微軟正黑體" pitchFamily="34" charset="-120"/>
               </a:rPr>
-              <a:t>我的盼望在於</a:t>
+              <a:t>我的盼望在</a:t>
+            </a:r>
+            <a:r>
+              <a:rPr lang="zh-TW" altLang="en-US" sz="6400" b="1" dirty="0" smtClean="0">
+                <a:solidFill>
+                  <a:srgbClr val="660033"/>
+                </a:solidFill>
+                <a:latin typeface="微軟正黑體" pitchFamily="34" charset="-120"/>
+                <a:ea typeface="微軟正黑體" pitchFamily="34" charset="-120"/>
+              </a:rPr>
+              <a:t>於</a:t>
             </a:r>
             <a:r>
               <a:rPr lang="zh-CN" altLang="en-US" sz="6400" b="1" dirty="0">
@@ -3819,7 +3912,7 @@
                 <a:latin typeface="微軟正黑體" pitchFamily="34" charset="-120"/>
                 <a:ea typeface="微軟正黑體" pitchFamily="34" charset="-120"/>
               </a:rPr>
-              <a:t>袮</a:t>
+              <a:t>祢</a:t>
             </a:r>
             <a:endParaRPr lang="en-US" sz="6400" b="1" dirty="0">
               <a:solidFill>
@@ -3966,7 +4059,17 @@
                 <a:latin typeface="微軟正黑體" pitchFamily="34" charset="-120"/>
                 <a:ea typeface="微軟正黑體" pitchFamily="34" charset="-120"/>
               </a:rPr>
-              <a:t>生命在於</a:t>
+              <a:t>生命在</a:t>
+            </a:r>
+            <a:r>
+              <a:rPr lang="zh-TW" altLang="en-US" sz="6400" b="1" dirty="0" smtClean="0">
+                <a:solidFill>
+                  <a:srgbClr val="660033"/>
+                </a:solidFill>
+                <a:latin typeface="微軟正黑體" pitchFamily="34" charset="-120"/>
+                <a:ea typeface="微軟正黑體" pitchFamily="34" charset="-120"/>
+              </a:rPr>
+              <a:t>於</a:t>
             </a:r>
             <a:r>
               <a:rPr lang="zh-CN" altLang="en-US" sz="6400" b="1" dirty="0">
@@ -3976,7 +4079,27 @@
                 <a:latin typeface="微軟正黑體" pitchFamily="34" charset="-120"/>
                 <a:ea typeface="微軟正黑體" pitchFamily="34" charset="-120"/>
               </a:rPr>
-              <a:t>袮</a:t>
+              <a:t>祢</a:t>
+            </a:r>
+            <a:r>
+              <a:rPr lang="zh-TW" altLang="en-US" sz="6400" b="1" dirty="0" smtClean="0">
+                <a:solidFill>
+                  <a:srgbClr val="660033"/>
+                </a:solidFill>
+                <a:latin typeface="微軟正黑體" pitchFamily="34" charset="-120"/>
+                <a:ea typeface="微軟正黑體" pitchFamily="34" charset="-120"/>
+              </a:rPr>
+              <a:t>主</a:t>
+            </a:r>
+            <a:r>
+              <a:rPr lang="en-US" altLang="zh-TW" sz="6400" b="1" dirty="0" smtClean="0">
+                <a:solidFill>
+                  <a:srgbClr val="660033"/>
+                </a:solidFill>
+                <a:latin typeface="微軟正黑體" pitchFamily="34" charset="-120"/>
+                <a:ea typeface="微軟正黑體" pitchFamily="34" charset="-120"/>
+              </a:rPr>
+              <a:t>  </a:t>
             </a:r>
             <a:r>
               <a:rPr lang="zh-TW" altLang="en-US" sz="6400" b="1" dirty="0">
@@ -3986,27 +4109,17 @@
                 <a:latin typeface="微軟正黑體" pitchFamily="34" charset="-120"/>
                 <a:ea typeface="微軟正黑體" pitchFamily="34" charset="-120"/>
               </a:rPr>
-              <a:t>主</a:t>
-            </a:r>
-            <a:r>
-              <a:rPr lang="en-US" altLang="zh-TW" sz="6400" b="1" dirty="0">
-                <a:solidFill>
-                  <a:srgbClr val="660033"/>
-                </a:solidFill>
-                <a:latin typeface="微軟正黑體" pitchFamily="34" charset="-120"/>
-                <a:ea typeface="微軟正黑體" pitchFamily="34" charset="-120"/>
-              </a:rPr>
-              <a:t>  </a:t>
-            </a:r>
-            <a:r>
-              <a:rPr lang="zh-TW" altLang="en-US" sz="6400" b="1" dirty="0">
-                <a:solidFill>
-                  <a:srgbClr val="660033"/>
-                </a:solidFill>
-                <a:latin typeface="微軟正黑體" pitchFamily="34" charset="-120"/>
-                <a:ea typeface="微軟正黑體" pitchFamily="34" charset="-120"/>
-              </a:rPr>
-              <a:t>力量在於</a:t>
+              <a:t>力量在</a:t>
+            </a:r>
+            <a:r>
+              <a:rPr lang="zh-TW" altLang="en-US" sz="6400" b="1" dirty="0" smtClean="0">
+                <a:solidFill>
+                  <a:srgbClr val="660033"/>
+                </a:solidFill>
+                <a:latin typeface="微軟正黑體" pitchFamily="34" charset="-120"/>
+                <a:ea typeface="微軟正黑體" pitchFamily="34" charset="-120"/>
+              </a:rPr>
+              <a:t>於</a:t>
             </a:r>
             <a:r>
               <a:rPr lang="zh-CN" altLang="en-US" sz="6400" b="1" dirty="0">
@@ -4016,10 +4129,10 @@
                 <a:latin typeface="微軟正黑體" pitchFamily="34" charset="-120"/>
                 <a:ea typeface="微軟正黑體" pitchFamily="34" charset="-120"/>
               </a:rPr>
-              <a:t>袮</a:t>
-            </a:r>
-            <a:r>
-              <a:rPr lang="zh-TW" altLang="en-US" sz="6400" b="1" dirty="0">
+              <a:t>祢</a:t>
+            </a:r>
+            <a:r>
+              <a:rPr lang="zh-TW" altLang="en-US" sz="6400" b="1" dirty="0" smtClean="0">
                 <a:solidFill>
                   <a:srgbClr val="660033"/>
                 </a:solidFill>
@@ -4048,7 +4161,17 @@
                 <a:latin typeface="微軟正黑體" pitchFamily="34" charset="-120"/>
                 <a:ea typeface="微軟正黑體" pitchFamily="34" charset="-120"/>
               </a:rPr>
-              <a:t>盼望在於</a:t>
+              <a:t>盼望在</a:t>
+            </a:r>
+            <a:r>
+              <a:rPr lang="zh-TW" altLang="en-US" sz="6400" b="1" dirty="0" smtClean="0">
+                <a:solidFill>
+                  <a:srgbClr val="660033"/>
+                </a:solidFill>
+                <a:latin typeface="微軟正黑體" pitchFamily="34" charset="-120"/>
+                <a:ea typeface="微軟正黑體" pitchFamily="34" charset="-120"/>
+              </a:rPr>
+              <a:t>於</a:t>
             </a:r>
             <a:r>
               <a:rPr lang="zh-CN" altLang="en-US" sz="6400" b="1" dirty="0">
@@ -4058,7 +4181,27 @@
                 <a:latin typeface="微軟正黑體" pitchFamily="34" charset="-120"/>
                 <a:ea typeface="微軟正黑體" pitchFamily="34" charset="-120"/>
               </a:rPr>
-              <a:t>袮</a:t>
+              <a:t>祢</a:t>
+            </a:r>
+            <a:r>
+              <a:rPr lang="zh-TW" altLang="en-US" sz="6400" b="1" dirty="0" smtClean="0">
+                <a:solidFill>
+                  <a:srgbClr val="660033"/>
+                </a:solidFill>
+                <a:latin typeface="微軟正黑體" pitchFamily="34" charset="-120"/>
+                <a:ea typeface="微軟正黑體" pitchFamily="34" charset="-120"/>
+              </a:rPr>
+              <a:t>主</a:t>
+            </a:r>
+            <a:r>
+              <a:rPr lang="en-US" altLang="zh-TW" sz="6400" b="1" dirty="0" smtClean="0">
+                <a:solidFill>
+                  <a:srgbClr val="660033"/>
+                </a:solidFill>
+                <a:latin typeface="微軟正黑體" pitchFamily="34" charset="-120"/>
+                <a:ea typeface="微軟正黑體" pitchFamily="34" charset="-120"/>
+              </a:rPr>
+              <a:t>  </a:t>
             </a:r>
             <a:r>
               <a:rPr lang="zh-TW" altLang="en-US" sz="6400" b="1" dirty="0">
@@ -4068,27 +4211,17 @@
                 <a:latin typeface="微軟正黑體" pitchFamily="34" charset="-120"/>
                 <a:ea typeface="微軟正黑體" pitchFamily="34" charset="-120"/>
               </a:rPr>
-              <a:t>主</a:t>
-            </a:r>
-            <a:r>
-              <a:rPr lang="en-US" altLang="zh-TW" sz="6400" b="1" dirty="0">
-                <a:solidFill>
-                  <a:srgbClr val="660033"/>
-                </a:solidFill>
-                <a:latin typeface="微軟正黑體" pitchFamily="34" charset="-120"/>
-                <a:ea typeface="微軟正黑體" pitchFamily="34" charset="-120"/>
-              </a:rPr>
-              <a:t>  </a:t>
-            </a:r>
-            <a:r>
-              <a:rPr lang="zh-TW" altLang="en-US" sz="6400" b="1" dirty="0">
-                <a:solidFill>
-                  <a:srgbClr val="660033"/>
-                </a:solidFill>
-                <a:latin typeface="微軟正黑體" pitchFamily="34" charset="-120"/>
-                <a:ea typeface="微軟正黑體" pitchFamily="34" charset="-120"/>
-              </a:rPr>
-              <a:t>在於  在於</a:t>
+              <a:t>在於  在</a:t>
+            </a:r>
+            <a:r>
+              <a:rPr lang="zh-TW" altLang="en-US" sz="6400" b="1" dirty="0" smtClean="0">
+                <a:solidFill>
+                  <a:srgbClr val="660033"/>
+                </a:solidFill>
+                <a:latin typeface="微軟正黑體" pitchFamily="34" charset="-120"/>
+                <a:ea typeface="微軟正黑體" pitchFamily="34" charset="-120"/>
+              </a:rPr>
+              <a:t>於</a:t>
             </a:r>
             <a:r>
               <a:rPr lang="zh-CN" altLang="en-US" sz="6400" b="1" dirty="0">
@@ -4098,7 +4231,7 @@
                 <a:latin typeface="微軟正黑體" pitchFamily="34" charset="-120"/>
                 <a:ea typeface="微軟正黑體" pitchFamily="34" charset="-120"/>
               </a:rPr>
-              <a:t>袮</a:t>
+              <a:t>祢</a:t>
             </a:r>
             <a:endParaRPr lang="en-US" sz="6400" b="1" dirty="0">
               <a:solidFill>
@@ -4275,7 +4408,17 @@
                 <a:latin typeface="微軟正黑體" pitchFamily="34" charset="-120"/>
                 <a:ea typeface="微軟正黑體" pitchFamily="34" charset="-120"/>
               </a:rPr>
-              <a:t>在於  在於</a:t>
+              <a:t>在於  在</a:t>
+            </a:r>
+            <a:r>
+              <a:rPr lang="zh-TW" altLang="en-US" sz="6400" b="1" dirty="0" smtClean="0">
+                <a:solidFill>
+                  <a:srgbClr val="660033"/>
+                </a:solidFill>
+                <a:latin typeface="微軟正黑體" pitchFamily="34" charset="-120"/>
+                <a:ea typeface="微軟正黑體" pitchFamily="34" charset="-120"/>
+              </a:rPr>
+              <a:t>於</a:t>
             </a:r>
             <a:r>
               <a:rPr lang="zh-CN" altLang="en-US" sz="6400" b="1" dirty="0">
@@ -4285,7 +4428,7 @@
                 <a:latin typeface="微軟正黑體" pitchFamily="34" charset="-120"/>
                 <a:ea typeface="微軟正黑體" pitchFamily="34" charset="-120"/>
               </a:rPr>
-              <a:t>袮</a:t>
+              <a:t>祢</a:t>
             </a:r>
             <a:endParaRPr lang="en-US" altLang="zh-CN" sz="6400" b="1" dirty="0">
               <a:solidFill>
@@ -4307,7 +4450,17 @@
                 <a:latin typeface="微軟正黑體" pitchFamily="34" charset="-120"/>
                 <a:ea typeface="微軟正黑體" pitchFamily="34" charset="-120"/>
               </a:rPr>
-              <a:t>在於  在於</a:t>
+              <a:t>在於  在</a:t>
+            </a:r>
+            <a:r>
+              <a:rPr lang="zh-TW" altLang="en-US" sz="6400" b="1" dirty="0" smtClean="0">
+                <a:solidFill>
+                  <a:srgbClr val="660033"/>
+                </a:solidFill>
+                <a:latin typeface="微軟正黑體" pitchFamily="34" charset="-120"/>
+                <a:ea typeface="微軟正黑體" pitchFamily="34" charset="-120"/>
+              </a:rPr>
+              <a:t>於</a:t>
             </a:r>
             <a:r>
               <a:rPr lang="zh-CN" altLang="en-US" sz="6400" b="1" dirty="0">
@@ -4317,7 +4470,7 @@
                 <a:latin typeface="微軟正黑體" pitchFamily="34" charset="-120"/>
                 <a:ea typeface="微軟正黑體" pitchFamily="34" charset="-120"/>
               </a:rPr>
-              <a:t>袮</a:t>
+              <a:t>祢</a:t>
             </a:r>
             <a:endParaRPr lang="en-US" sz="6400" b="1" dirty="0">
               <a:solidFill>
